--- a/Slides/Modeling the Pandemic - Lecture 7 and 8.pptx
+++ b/Slides/Modeling the Pandemic - Lecture 7 and 8.pptx
@@ -99,8 +99,8 @@
         </p:nvSpPr>
         <p:spPr>
           <a:xfrm>
-            <a:off x="504000" y="225720"/>
-            <a:ext cx="9071640" cy="946800"/>
+            <a:off x="504000" y="226080"/>
+            <a:ext cx="9072000" cy="946440"/>
           </a:xfrm>
           <a:prstGeom prst="rect">
             <a:avLst/>
@@ -131,7 +131,7 @@
         <p:spPr>
           <a:xfrm>
             <a:off x="504000" y="1326600"/>
-            <a:ext cx="9071640" cy="1568160"/>
+            <a:ext cx="9072000" cy="1568520"/>
           </a:xfrm>
           <a:prstGeom prst="rect">
             <a:avLst/>
@@ -160,8 +160,8 @@
         </p:nvSpPr>
         <p:spPr>
           <a:xfrm>
-            <a:off x="504000" y="3044160"/>
-            <a:ext cx="9071640" cy="1568160"/>
+            <a:off x="504000" y="3044520"/>
+            <a:ext cx="9072000" cy="1568520"/>
           </a:xfrm>
           <a:prstGeom prst="rect">
             <a:avLst/>
@@ -212,8 +212,8 @@
         </p:nvSpPr>
         <p:spPr>
           <a:xfrm>
-            <a:off x="504000" y="225720"/>
-            <a:ext cx="9071640" cy="946800"/>
+            <a:off x="504000" y="226080"/>
+            <a:ext cx="9072000" cy="946440"/>
           </a:xfrm>
           <a:prstGeom prst="rect">
             <a:avLst/>
@@ -244,7 +244,7 @@
         <p:spPr>
           <a:xfrm>
             <a:off x="504000" y="1326600"/>
-            <a:ext cx="4426920" cy="1568160"/>
+            <a:ext cx="4426920" cy="1568520"/>
           </a:xfrm>
           <a:prstGeom prst="rect">
             <a:avLst/>
@@ -274,7 +274,7 @@
         <p:spPr>
           <a:xfrm>
             <a:off x="5152680" y="1326600"/>
-            <a:ext cx="4426920" cy="1568160"/>
+            <a:ext cx="4426920" cy="1568520"/>
           </a:xfrm>
           <a:prstGeom prst="rect">
             <a:avLst/>
@@ -303,8 +303,8 @@
         </p:nvSpPr>
         <p:spPr>
           <a:xfrm>
-            <a:off x="504000" y="3044160"/>
-            <a:ext cx="4426920" cy="1568160"/>
+            <a:off x="504000" y="3044520"/>
+            <a:ext cx="4426920" cy="1568520"/>
           </a:xfrm>
           <a:prstGeom prst="rect">
             <a:avLst/>
@@ -333,8 +333,8 @@
         </p:nvSpPr>
         <p:spPr>
           <a:xfrm>
-            <a:off x="5152680" y="3044160"/>
-            <a:ext cx="4426920" cy="1568160"/>
+            <a:off x="5152680" y="3044520"/>
+            <a:ext cx="4426920" cy="1568520"/>
           </a:xfrm>
           <a:prstGeom prst="rect">
             <a:avLst/>
@@ -385,8 +385,8 @@
         </p:nvSpPr>
         <p:spPr>
           <a:xfrm>
-            <a:off x="504000" y="225720"/>
-            <a:ext cx="9071640" cy="946800"/>
+            <a:off x="504000" y="226080"/>
+            <a:ext cx="9072000" cy="946440"/>
           </a:xfrm>
           <a:prstGeom prst="rect">
             <a:avLst/>
@@ -417,7 +417,7 @@
         <p:spPr>
           <a:xfrm>
             <a:off x="504000" y="1326600"/>
-            <a:ext cx="2920680" cy="1568160"/>
+            <a:ext cx="2921040" cy="1568520"/>
           </a:xfrm>
           <a:prstGeom prst="rect">
             <a:avLst/>
@@ -446,8 +446,8 @@
         </p:nvSpPr>
         <p:spPr>
           <a:xfrm>
-            <a:off x="3571200" y="1326600"/>
-            <a:ext cx="2920680" cy="1568160"/>
+            <a:off x="3571560" y="1326600"/>
+            <a:ext cx="2921040" cy="1568520"/>
           </a:xfrm>
           <a:prstGeom prst="rect">
             <a:avLst/>
@@ -476,8 +476,8 @@
         </p:nvSpPr>
         <p:spPr>
           <a:xfrm>
-            <a:off x="6638040" y="1326600"/>
-            <a:ext cx="2920680" cy="1568160"/>
+            <a:off x="6639120" y="1326600"/>
+            <a:ext cx="2921040" cy="1568520"/>
           </a:xfrm>
           <a:prstGeom prst="rect">
             <a:avLst/>
@@ -506,8 +506,8 @@
         </p:nvSpPr>
         <p:spPr>
           <a:xfrm>
-            <a:off x="504000" y="3044160"/>
-            <a:ext cx="2920680" cy="1568160"/>
+            <a:off x="504000" y="3044520"/>
+            <a:ext cx="2921040" cy="1568520"/>
           </a:xfrm>
           <a:prstGeom prst="rect">
             <a:avLst/>
@@ -536,8 +536,8 @@
         </p:nvSpPr>
         <p:spPr>
           <a:xfrm>
-            <a:off x="3571200" y="3044160"/>
-            <a:ext cx="2920680" cy="1568160"/>
+            <a:off x="3571560" y="3044520"/>
+            <a:ext cx="2921040" cy="1568520"/>
           </a:xfrm>
           <a:prstGeom prst="rect">
             <a:avLst/>
@@ -566,8 +566,8 @@
         </p:nvSpPr>
         <p:spPr>
           <a:xfrm>
-            <a:off x="6638040" y="3044160"/>
-            <a:ext cx="2920680" cy="1568160"/>
+            <a:off x="6639120" y="3044520"/>
+            <a:ext cx="2921040" cy="1568520"/>
           </a:xfrm>
           <a:prstGeom prst="rect">
             <a:avLst/>
@@ -640,8 +640,8 @@
         </p:nvSpPr>
         <p:spPr>
           <a:xfrm>
-            <a:off x="504000" y="225720"/>
-            <a:ext cx="9071640" cy="946800"/>
+            <a:off x="504000" y="226080"/>
+            <a:ext cx="9072000" cy="946440"/>
           </a:xfrm>
           <a:prstGeom prst="rect">
             <a:avLst/>
@@ -672,7 +672,7 @@
         <p:spPr>
           <a:xfrm>
             <a:off x="504000" y="1326600"/>
-            <a:ext cx="9071640" cy="3288240"/>
+            <a:ext cx="9072000" cy="3288600"/>
           </a:xfrm>
           <a:prstGeom prst="rect">
             <a:avLst/>
@@ -724,8 +724,8 @@
         </p:nvSpPr>
         <p:spPr>
           <a:xfrm>
-            <a:off x="504000" y="225720"/>
-            <a:ext cx="9071640" cy="946800"/>
+            <a:off x="504000" y="226080"/>
+            <a:ext cx="9072000" cy="946440"/>
           </a:xfrm>
           <a:prstGeom prst="rect">
             <a:avLst/>
@@ -756,7 +756,7 @@
         <p:spPr>
           <a:xfrm>
             <a:off x="504000" y="1326600"/>
-            <a:ext cx="9071640" cy="3288240"/>
+            <a:ext cx="9072000" cy="3288600"/>
           </a:xfrm>
           <a:prstGeom prst="rect">
             <a:avLst/>
@@ -807,8 +807,8 @@
         </p:nvSpPr>
         <p:spPr>
           <a:xfrm>
-            <a:off x="504000" y="225720"/>
-            <a:ext cx="9071640" cy="946800"/>
+            <a:off x="504000" y="226080"/>
+            <a:ext cx="9072000" cy="946440"/>
           </a:xfrm>
           <a:prstGeom prst="rect">
             <a:avLst/>
@@ -839,7 +839,7 @@
         <p:spPr>
           <a:xfrm>
             <a:off x="504000" y="1326600"/>
-            <a:ext cx="4426920" cy="3288240"/>
+            <a:ext cx="4426920" cy="3288600"/>
           </a:xfrm>
           <a:prstGeom prst="rect">
             <a:avLst/>
@@ -869,7 +869,7 @@
         <p:spPr>
           <a:xfrm>
             <a:off x="5152680" y="1326600"/>
-            <a:ext cx="4426920" cy="3288240"/>
+            <a:ext cx="4426920" cy="3288600"/>
           </a:xfrm>
           <a:prstGeom prst="rect">
             <a:avLst/>
@@ -920,8 +920,8 @@
         </p:nvSpPr>
         <p:spPr>
           <a:xfrm>
-            <a:off x="504000" y="225720"/>
-            <a:ext cx="9071640" cy="946800"/>
+            <a:off x="504000" y="226080"/>
+            <a:ext cx="9072000" cy="946440"/>
           </a:xfrm>
           <a:prstGeom prst="rect">
             <a:avLst/>
@@ -973,8 +973,8 @@
         </p:nvSpPr>
         <p:spPr>
           <a:xfrm>
-            <a:off x="504000" y="225720"/>
-            <a:ext cx="9071640" cy="4390200"/>
+            <a:off x="504000" y="226080"/>
+            <a:ext cx="9072000" cy="4388400"/>
           </a:xfrm>
           <a:prstGeom prst="rect">
             <a:avLst/>
@@ -1026,8 +1026,8 @@
         </p:nvSpPr>
         <p:spPr>
           <a:xfrm>
-            <a:off x="504000" y="225720"/>
-            <a:ext cx="9071640" cy="946800"/>
+            <a:off x="504000" y="226080"/>
+            <a:ext cx="9072000" cy="946440"/>
           </a:xfrm>
           <a:prstGeom prst="rect">
             <a:avLst/>
@@ -1058,7 +1058,7 @@
         <p:spPr>
           <a:xfrm>
             <a:off x="504000" y="1326600"/>
-            <a:ext cx="4426920" cy="1568160"/>
+            <a:ext cx="4426920" cy="1568520"/>
           </a:xfrm>
           <a:prstGeom prst="rect">
             <a:avLst/>
@@ -1088,7 +1088,7 @@
         <p:spPr>
           <a:xfrm>
             <a:off x="5152680" y="1326600"/>
-            <a:ext cx="4426920" cy="3288240"/>
+            <a:ext cx="4426920" cy="3288600"/>
           </a:xfrm>
           <a:prstGeom prst="rect">
             <a:avLst/>
@@ -1117,8 +1117,8 @@
         </p:nvSpPr>
         <p:spPr>
           <a:xfrm>
-            <a:off x="504000" y="3044160"/>
-            <a:ext cx="4426920" cy="1568160"/>
+            <a:off x="504000" y="3044520"/>
+            <a:ext cx="4426920" cy="1568520"/>
           </a:xfrm>
           <a:prstGeom prst="rect">
             <a:avLst/>
@@ -1169,8 +1169,8 @@
         </p:nvSpPr>
         <p:spPr>
           <a:xfrm>
-            <a:off x="504000" y="225720"/>
-            <a:ext cx="9071640" cy="946800"/>
+            <a:off x="504000" y="226080"/>
+            <a:ext cx="9072000" cy="946440"/>
           </a:xfrm>
           <a:prstGeom prst="rect">
             <a:avLst/>
@@ -1201,7 +1201,7 @@
         <p:spPr>
           <a:xfrm>
             <a:off x="504000" y="1326600"/>
-            <a:ext cx="9071640" cy="3288240"/>
+            <a:ext cx="9072000" cy="3288600"/>
           </a:xfrm>
           <a:prstGeom prst="rect">
             <a:avLst/>
@@ -1253,8 +1253,8 @@
         </p:nvSpPr>
         <p:spPr>
           <a:xfrm>
-            <a:off x="504000" y="225720"/>
-            <a:ext cx="9071640" cy="946800"/>
+            <a:off x="504000" y="226080"/>
+            <a:ext cx="9072000" cy="946440"/>
           </a:xfrm>
           <a:prstGeom prst="rect">
             <a:avLst/>
@@ -1285,7 +1285,7 @@
         <p:spPr>
           <a:xfrm>
             <a:off x="504000" y="1326600"/>
-            <a:ext cx="4426920" cy="3288240"/>
+            <a:ext cx="4426920" cy="3288600"/>
           </a:xfrm>
           <a:prstGeom prst="rect">
             <a:avLst/>
@@ -1315,7 +1315,7 @@
         <p:spPr>
           <a:xfrm>
             <a:off x="5152680" y="1326600"/>
-            <a:ext cx="4426920" cy="1568160"/>
+            <a:ext cx="4426920" cy="1568520"/>
           </a:xfrm>
           <a:prstGeom prst="rect">
             <a:avLst/>
@@ -1344,8 +1344,8 @@
         </p:nvSpPr>
         <p:spPr>
           <a:xfrm>
-            <a:off x="5152680" y="3044160"/>
-            <a:ext cx="4426920" cy="1568160"/>
+            <a:off x="5152680" y="3044520"/>
+            <a:ext cx="4426920" cy="1568520"/>
           </a:xfrm>
           <a:prstGeom prst="rect">
             <a:avLst/>
@@ -1396,8 +1396,8 @@
         </p:nvSpPr>
         <p:spPr>
           <a:xfrm>
-            <a:off x="504000" y="225720"/>
-            <a:ext cx="9071640" cy="946800"/>
+            <a:off x="504000" y="226080"/>
+            <a:ext cx="9072000" cy="946440"/>
           </a:xfrm>
           <a:prstGeom prst="rect">
             <a:avLst/>
@@ -1428,7 +1428,7 @@
         <p:spPr>
           <a:xfrm>
             <a:off x="504000" y="1326600"/>
-            <a:ext cx="4426920" cy="1568160"/>
+            <a:ext cx="4426920" cy="1568520"/>
           </a:xfrm>
           <a:prstGeom prst="rect">
             <a:avLst/>
@@ -1458,7 +1458,7 @@
         <p:spPr>
           <a:xfrm>
             <a:off x="5152680" y="1326600"/>
-            <a:ext cx="4426920" cy="1568160"/>
+            <a:ext cx="4426920" cy="1568520"/>
           </a:xfrm>
           <a:prstGeom prst="rect">
             <a:avLst/>
@@ -1487,8 +1487,8 @@
         </p:nvSpPr>
         <p:spPr>
           <a:xfrm>
-            <a:off x="504000" y="3044160"/>
-            <a:ext cx="9071640" cy="1568160"/>
+            <a:off x="504000" y="3044520"/>
+            <a:ext cx="9072000" cy="1568520"/>
           </a:xfrm>
           <a:prstGeom prst="rect">
             <a:avLst/>
@@ -1539,8 +1539,8 @@
         </p:nvSpPr>
         <p:spPr>
           <a:xfrm>
-            <a:off x="504000" y="225720"/>
-            <a:ext cx="9071640" cy="946800"/>
+            <a:off x="504000" y="226080"/>
+            <a:ext cx="9072000" cy="946440"/>
           </a:xfrm>
           <a:prstGeom prst="rect">
             <a:avLst/>
@@ -1571,7 +1571,7 @@
         <p:spPr>
           <a:xfrm>
             <a:off x="504000" y="1326600"/>
-            <a:ext cx="9071640" cy="1568160"/>
+            <a:ext cx="9072000" cy="1568520"/>
           </a:xfrm>
           <a:prstGeom prst="rect">
             <a:avLst/>
@@ -1600,8 +1600,8 @@
         </p:nvSpPr>
         <p:spPr>
           <a:xfrm>
-            <a:off x="504000" y="3044160"/>
-            <a:ext cx="9071640" cy="1568160"/>
+            <a:off x="504000" y="3044520"/>
+            <a:ext cx="9072000" cy="1568520"/>
           </a:xfrm>
           <a:prstGeom prst="rect">
             <a:avLst/>
@@ -1652,8 +1652,8 @@
         </p:nvSpPr>
         <p:spPr>
           <a:xfrm>
-            <a:off x="504000" y="225720"/>
-            <a:ext cx="9071640" cy="946800"/>
+            <a:off x="504000" y="226080"/>
+            <a:ext cx="9072000" cy="946440"/>
           </a:xfrm>
           <a:prstGeom prst="rect">
             <a:avLst/>
@@ -1684,7 +1684,7 @@
         <p:spPr>
           <a:xfrm>
             <a:off x="504000" y="1326600"/>
-            <a:ext cx="4426920" cy="1568160"/>
+            <a:ext cx="4426920" cy="1568520"/>
           </a:xfrm>
           <a:prstGeom prst="rect">
             <a:avLst/>
@@ -1714,7 +1714,7 @@
         <p:spPr>
           <a:xfrm>
             <a:off x="5152680" y="1326600"/>
-            <a:ext cx="4426920" cy="1568160"/>
+            <a:ext cx="4426920" cy="1568520"/>
           </a:xfrm>
           <a:prstGeom prst="rect">
             <a:avLst/>
@@ -1743,8 +1743,8 @@
         </p:nvSpPr>
         <p:spPr>
           <a:xfrm>
-            <a:off x="504000" y="3044160"/>
-            <a:ext cx="4426920" cy="1568160"/>
+            <a:off x="504000" y="3044520"/>
+            <a:ext cx="4426920" cy="1568520"/>
           </a:xfrm>
           <a:prstGeom prst="rect">
             <a:avLst/>
@@ -1773,8 +1773,8 @@
         </p:nvSpPr>
         <p:spPr>
           <a:xfrm>
-            <a:off x="5152680" y="3044160"/>
-            <a:ext cx="4426920" cy="1568160"/>
+            <a:off x="5152680" y="3044520"/>
+            <a:ext cx="4426920" cy="1568520"/>
           </a:xfrm>
           <a:prstGeom prst="rect">
             <a:avLst/>
@@ -1825,8 +1825,8 @@
         </p:nvSpPr>
         <p:spPr>
           <a:xfrm>
-            <a:off x="504000" y="225720"/>
-            <a:ext cx="9071640" cy="946800"/>
+            <a:off x="504000" y="226080"/>
+            <a:ext cx="9072000" cy="946440"/>
           </a:xfrm>
           <a:prstGeom prst="rect">
             <a:avLst/>
@@ -1857,7 +1857,7 @@
         <p:spPr>
           <a:xfrm>
             <a:off x="504000" y="1326600"/>
-            <a:ext cx="2920680" cy="1568160"/>
+            <a:ext cx="2921040" cy="1568520"/>
           </a:xfrm>
           <a:prstGeom prst="rect">
             <a:avLst/>
@@ -1886,8 +1886,8 @@
         </p:nvSpPr>
         <p:spPr>
           <a:xfrm>
-            <a:off x="3571200" y="1326600"/>
-            <a:ext cx="2920680" cy="1568160"/>
+            <a:off x="3571560" y="1326600"/>
+            <a:ext cx="2921040" cy="1568520"/>
           </a:xfrm>
           <a:prstGeom prst="rect">
             <a:avLst/>
@@ -1916,8 +1916,8 @@
         </p:nvSpPr>
         <p:spPr>
           <a:xfrm>
-            <a:off x="6638040" y="1326600"/>
-            <a:ext cx="2920680" cy="1568160"/>
+            <a:off x="6639120" y="1326600"/>
+            <a:ext cx="2921040" cy="1568520"/>
           </a:xfrm>
           <a:prstGeom prst="rect">
             <a:avLst/>
@@ -1946,8 +1946,8 @@
         </p:nvSpPr>
         <p:spPr>
           <a:xfrm>
-            <a:off x="504000" y="3044160"/>
-            <a:ext cx="2920680" cy="1568160"/>
+            <a:off x="504000" y="3044520"/>
+            <a:ext cx="2921040" cy="1568520"/>
           </a:xfrm>
           <a:prstGeom prst="rect">
             <a:avLst/>
@@ -1976,8 +1976,8 @@
         </p:nvSpPr>
         <p:spPr>
           <a:xfrm>
-            <a:off x="3571200" y="3044160"/>
-            <a:ext cx="2920680" cy="1568160"/>
+            <a:off x="3571560" y="3044520"/>
+            <a:ext cx="2921040" cy="1568520"/>
           </a:xfrm>
           <a:prstGeom prst="rect">
             <a:avLst/>
@@ -2006,8 +2006,8 @@
         </p:nvSpPr>
         <p:spPr>
           <a:xfrm>
-            <a:off x="6638040" y="3044160"/>
-            <a:ext cx="2920680" cy="1568160"/>
+            <a:off x="6639120" y="3044520"/>
+            <a:ext cx="2921040" cy="1568520"/>
           </a:xfrm>
           <a:prstGeom prst="rect">
             <a:avLst/>
@@ -2080,8 +2080,8 @@
         </p:nvSpPr>
         <p:spPr>
           <a:xfrm>
-            <a:off x="504000" y="225720"/>
-            <a:ext cx="9071640" cy="946800"/>
+            <a:off x="504000" y="226080"/>
+            <a:ext cx="9072000" cy="946440"/>
           </a:xfrm>
           <a:prstGeom prst="rect">
             <a:avLst/>
@@ -2112,7 +2112,7 @@
         <p:spPr>
           <a:xfrm>
             <a:off x="504000" y="1326600"/>
-            <a:ext cx="9071640" cy="3288240"/>
+            <a:ext cx="9072000" cy="3288600"/>
           </a:xfrm>
           <a:prstGeom prst="rect">
             <a:avLst/>
@@ -2164,8 +2164,8 @@
         </p:nvSpPr>
         <p:spPr>
           <a:xfrm>
-            <a:off x="504000" y="225720"/>
-            <a:ext cx="9071640" cy="946800"/>
+            <a:off x="504000" y="226080"/>
+            <a:ext cx="9072000" cy="946440"/>
           </a:xfrm>
           <a:prstGeom prst="rect">
             <a:avLst/>
@@ -2196,7 +2196,7 @@
         <p:spPr>
           <a:xfrm>
             <a:off x="504000" y="1326600"/>
-            <a:ext cx="9071640" cy="3288240"/>
+            <a:ext cx="9072000" cy="3288600"/>
           </a:xfrm>
           <a:prstGeom prst="rect">
             <a:avLst/>
@@ -2247,8 +2247,8 @@
         </p:nvSpPr>
         <p:spPr>
           <a:xfrm>
-            <a:off x="504000" y="225720"/>
-            <a:ext cx="9071640" cy="946800"/>
+            <a:off x="504000" y="226080"/>
+            <a:ext cx="9072000" cy="946440"/>
           </a:xfrm>
           <a:prstGeom prst="rect">
             <a:avLst/>
@@ -2279,7 +2279,7 @@
         <p:spPr>
           <a:xfrm>
             <a:off x="504000" y="1326600"/>
-            <a:ext cx="4426920" cy="3288240"/>
+            <a:ext cx="4426920" cy="3288600"/>
           </a:xfrm>
           <a:prstGeom prst="rect">
             <a:avLst/>
@@ -2309,7 +2309,7 @@
         <p:spPr>
           <a:xfrm>
             <a:off x="5152680" y="1326600"/>
-            <a:ext cx="4426920" cy="3288240"/>
+            <a:ext cx="4426920" cy="3288600"/>
           </a:xfrm>
           <a:prstGeom prst="rect">
             <a:avLst/>
@@ -2360,8 +2360,8 @@
         </p:nvSpPr>
         <p:spPr>
           <a:xfrm>
-            <a:off x="504000" y="225720"/>
-            <a:ext cx="9071640" cy="946800"/>
+            <a:off x="504000" y="226080"/>
+            <a:ext cx="9072000" cy="946440"/>
           </a:xfrm>
           <a:prstGeom prst="rect">
             <a:avLst/>
@@ -2413,8 +2413,8 @@
         </p:nvSpPr>
         <p:spPr>
           <a:xfrm>
-            <a:off x="504000" y="225720"/>
-            <a:ext cx="9071640" cy="946800"/>
+            <a:off x="504000" y="226080"/>
+            <a:ext cx="9072000" cy="946440"/>
           </a:xfrm>
           <a:prstGeom prst="rect">
             <a:avLst/>
@@ -2445,7 +2445,7 @@
         <p:spPr>
           <a:xfrm>
             <a:off x="504000" y="1326600"/>
-            <a:ext cx="9071640" cy="3288240"/>
+            <a:ext cx="9072000" cy="3288600"/>
           </a:xfrm>
           <a:prstGeom prst="rect">
             <a:avLst/>
@@ -2496,8 +2496,8 @@
         </p:nvSpPr>
         <p:spPr>
           <a:xfrm>
-            <a:off x="504000" y="225720"/>
-            <a:ext cx="9071640" cy="4390200"/>
+            <a:off x="504000" y="226080"/>
+            <a:ext cx="9072000" cy="4388400"/>
           </a:xfrm>
           <a:prstGeom prst="rect">
             <a:avLst/>
@@ -2549,8 +2549,8 @@
         </p:nvSpPr>
         <p:spPr>
           <a:xfrm>
-            <a:off x="504000" y="225720"/>
-            <a:ext cx="9071640" cy="946800"/>
+            <a:off x="504000" y="226080"/>
+            <a:ext cx="9072000" cy="946440"/>
           </a:xfrm>
           <a:prstGeom prst="rect">
             <a:avLst/>
@@ -2581,7 +2581,7 @@
         <p:spPr>
           <a:xfrm>
             <a:off x="504000" y="1326600"/>
-            <a:ext cx="4426920" cy="1568160"/>
+            <a:ext cx="4426920" cy="1568520"/>
           </a:xfrm>
           <a:prstGeom prst="rect">
             <a:avLst/>
@@ -2611,7 +2611,7 @@
         <p:spPr>
           <a:xfrm>
             <a:off x="5152680" y="1326600"/>
-            <a:ext cx="4426920" cy="3288240"/>
+            <a:ext cx="4426920" cy="3288600"/>
           </a:xfrm>
           <a:prstGeom prst="rect">
             <a:avLst/>
@@ -2640,8 +2640,8 @@
         </p:nvSpPr>
         <p:spPr>
           <a:xfrm>
-            <a:off x="504000" y="3044160"/>
-            <a:ext cx="4426920" cy="1568160"/>
+            <a:off x="504000" y="3044520"/>
+            <a:ext cx="4426920" cy="1568520"/>
           </a:xfrm>
           <a:prstGeom prst="rect">
             <a:avLst/>
@@ -2692,8 +2692,8 @@
         </p:nvSpPr>
         <p:spPr>
           <a:xfrm>
-            <a:off x="504000" y="225720"/>
-            <a:ext cx="9071640" cy="946800"/>
+            <a:off x="504000" y="226080"/>
+            <a:ext cx="9072000" cy="946440"/>
           </a:xfrm>
           <a:prstGeom prst="rect">
             <a:avLst/>
@@ -2724,7 +2724,7 @@
         <p:spPr>
           <a:xfrm>
             <a:off x="504000" y="1326600"/>
-            <a:ext cx="4426920" cy="3288240"/>
+            <a:ext cx="4426920" cy="3288600"/>
           </a:xfrm>
           <a:prstGeom prst="rect">
             <a:avLst/>
@@ -2754,7 +2754,7 @@
         <p:spPr>
           <a:xfrm>
             <a:off x="5152680" y="1326600"/>
-            <a:ext cx="4426920" cy="1568160"/>
+            <a:ext cx="4426920" cy="1568520"/>
           </a:xfrm>
           <a:prstGeom prst="rect">
             <a:avLst/>
@@ -2783,8 +2783,8 @@
         </p:nvSpPr>
         <p:spPr>
           <a:xfrm>
-            <a:off x="5152680" y="3044160"/>
-            <a:ext cx="4426920" cy="1568160"/>
+            <a:off x="5152680" y="3044520"/>
+            <a:ext cx="4426920" cy="1568520"/>
           </a:xfrm>
           <a:prstGeom prst="rect">
             <a:avLst/>
@@ -2835,8 +2835,8 @@
         </p:nvSpPr>
         <p:spPr>
           <a:xfrm>
-            <a:off x="504000" y="225720"/>
-            <a:ext cx="9071640" cy="946800"/>
+            <a:off x="504000" y="226080"/>
+            <a:ext cx="9072000" cy="946440"/>
           </a:xfrm>
           <a:prstGeom prst="rect">
             <a:avLst/>
@@ -2867,7 +2867,7 @@
         <p:spPr>
           <a:xfrm>
             <a:off x="504000" y="1326600"/>
-            <a:ext cx="4426920" cy="1568160"/>
+            <a:ext cx="4426920" cy="1568520"/>
           </a:xfrm>
           <a:prstGeom prst="rect">
             <a:avLst/>
@@ -2897,7 +2897,7 @@
         <p:spPr>
           <a:xfrm>
             <a:off x="5152680" y="1326600"/>
-            <a:ext cx="4426920" cy="1568160"/>
+            <a:ext cx="4426920" cy="1568520"/>
           </a:xfrm>
           <a:prstGeom prst="rect">
             <a:avLst/>
@@ -2926,8 +2926,8 @@
         </p:nvSpPr>
         <p:spPr>
           <a:xfrm>
-            <a:off x="504000" y="3044160"/>
-            <a:ext cx="9071640" cy="1568160"/>
+            <a:off x="504000" y="3044520"/>
+            <a:ext cx="9072000" cy="1568520"/>
           </a:xfrm>
           <a:prstGeom prst="rect">
             <a:avLst/>
@@ -2978,8 +2978,8 @@
         </p:nvSpPr>
         <p:spPr>
           <a:xfrm>
-            <a:off x="504000" y="225720"/>
-            <a:ext cx="9071640" cy="946800"/>
+            <a:off x="504000" y="226080"/>
+            <a:ext cx="9072000" cy="946440"/>
           </a:xfrm>
           <a:prstGeom prst="rect">
             <a:avLst/>
@@ -3010,7 +3010,7 @@
         <p:spPr>
           <a:xfrm>
             <a:off x="504000" y="1326600"/>
-            <a:ext cx="9071640" cy="1568160"/>
+            <a:ext cx="9072000" cy="1568520"/>
           </a:xfrm>
           <a:prstGeom prst="rect">
             <a:avLst/>
@@ -3039,8 +3039,8 @@
         </p:nvSpPr>
         <p:spPr>
           <a:xfrm>
-            <a:off x="504000" y="3044160"/>
-            <a:ext cx="9071640" cy="1568160"/>
+            <a:off x="504000" y="3044520"/>
+            <a:ext cx="9072000" cy="1568520"/>
           </a:xfrm>
           <a:prstGeom prst="rect">
             <a:avLst/>
@@ -3091,8 +3091,8 @@
         </p:nvSpPr>
         <p:spPr>
           <a:xfrm>
-            <a:off x="504000" y="225720"/>
-            <a:ext cx="9071640" cy="946800"/>
+            <a:off x="504000" y="226080"/>
+            <a:ext cx="9072000" cy="946440"/>
           </a:xfrm>
           <a:prstGeom prst="rect">
             <a:avLst/>
@@ -3123,7 +3123,7 @@
         <p:spPr>
           <a:xfrm>
             <a:off x="504000" y="1326600"/>
-            <a:ext cx="4426920" cy="1568160"/>
+            <a:ext cx="4426920" cy="1568520"/>
           </a:xfrm>
           <a:prstGeom prst="rect">
             <a:avLst/>
@@ -3153,7 +3153,7 @@
         <p:spPr>
           <a:xfrm>
             <a:off x="5152680" y="1326600"/>
-            <a:ext cx="4426920" cy="1568160"/>
+            <a:ext cx="4426920" cy="1568520"/>
           </a:xfrm>
           <a:prstGeom prst="rect">
             <a:avLst/>
@@ -3182,8 +3182,8 @@
         </p:nvSpPr>
         <p:spPr>
           <a:xfrm>
-            <a:off x="504000" y="3044160"/>
-            <a:ext cx="4426920" cy="1568160"/>
+            <a:off x="504000" y="3044520"/>
+            <a:ext cx="4426920" cy="1568520"/>
           </a:xfrm>
           <a:prstGeom prst="rect">
             <a:avLst/>
@@ -3212,8 +3212,8 @@
         </p:nvSpPr>
         <p:spPr>
           <a:xfrm>
-            <a:off x="5152680" y="3044160"/>
-            <a:ext cx="4426920" cy="1568160"/>
+            <a:off x="5152680" y="3044520"/>
+            <a:ext cx="4426920" cy="1568520"/>
           </a:xfrm>
           <a:prstGeom prst="rect">
             <a:avLst/>
@@ -3264,8 +3264,8 @@
         </p:nvSpPr>
         <p:spPr>
           <a:xfrm>
-            <a:off x="504000" y="225720"/>
-            <a:ext cx="9071640" cy="946800"/>
+            <a:off x="504000" y="226080"/>
+            <a:ext cx="9072000" cy="946440"/>
           </a:xfrm>
           <a:prstGeom prst="rect">
             <a:avLst/>
@@ -3296,7 +3296,7 @@
         <p:spPr>
           <a:xfrm>
             <a:off x="504000" y="1326600"/>
-            <a:ext cx="2920680" cy="1568160"/>
+            <a:ext cx="2921040" cy="1568520"/>
           </a:xfrm>
           <a:prstGeom prst="rect">
             <a:avLst/>
@@ -3325,8 +3325,8 @@
         </p:nvSpPr>
         <p:spPr>
           <a:xfrm>
-            <a:off x="3571200" y="1326600"/>
-            <a:ext cx="2920680" cy="1568160"/>
+            <a:off x="3571560" y="1326600"/>
+            <a:ext cx="2921040" cy="1568520"/>
           </a:xfrm>
           <a:prstGeom prst="rect">
             <a:avLst/>
@@ -3355,8 +3355,8 @@
         </p:nvSpPr>
         <p:spPr>
           <a:xfrm>
-            <a:off x="6638040" y="1326600"/>
-            <a:ext cx="2920680" cy="1568160"/>
+            <a:off x="6639120" y="1326600"/>
+            <a:ext cx="2921040" cy="1568520"/>
           </a:xfrm>
           <a:prstGeom prst="rect">
             <a:avLst/>
@@ -3385,8 +3385,8 @@
         </p:nvSpPr>
         <p:spPr>
           <a:xfrm>
-            <a:off x="504000" y="3044160"/>
-            <a:ext cx="2920680" cy="1568160"/>
+            <a:off x="504000" y="3044520"/>
+            <a:ext cx="2921040" cy="1568520"/>
           </a:xfrm>
           <a:prstGeom prst="rect">
             <a:avLst/>
@@ -3415,8 +3415,8 @@
         </p:nvSpPr>
         <p:spPr>
           <a:xfrm>
-            <a:off x="3571200" y="3044160"/>
-            <a:ext cx="2920680" cy="1568160"/>
+            <a:off x="3571560" y="3044520"/>
+            <a:ext cx="2921040" cy="1568520"/>
           </a:xfrm>
           <a:prstGeom prst="rect">
             <a:avLst/>
@@ -3445,8 +3445,8 @@
         </p:nvSpPr>
         <p:spPr>
           <a:xfrm>
-            <a:off x="6638040" y="3044160"/>
-            <a:ext cx="2920680" cy="1568160"/>
+            <a:off x="6639120" y="3044520"/>
+            <a:ext cx="2921040" cy="1568520"/>
           </a:xfrm>
           <a:prstGeom prst="rect">
             <a:avLst/>
@@ -3519,8 +3519,8 @@
         </p:nvSpPr>
         <p:spPr>
           <a:xfrm>
-            <a:off x="504000" y="225720"/>
-            <a:ext cx="9071640" cy="946800"/>
+            <a:off x="504000" y="226080"/>
+            <a:ext cx="9072000" cy="946440"/>
           </a:xfrm>
           <a:prstGeom prst="rect">
             <a:avLst/>
@@ -3551,7 +3551,7 @@
         <p:spPr>
           <a:xfrm>
             <a:off x="504000" y="1326600"/>
-            <a:ext cx="9071640" cy="3288240"/>
+            <a:ext cx="9072000" cy="3288600"/>
           </a:xfrm>
           <a:prstGeom prst="rect">
             <a:avLst/>
@@ -3603,8 +3603,8 @@
         </p:nvSpPr>
         <p:spPr>
           <a:xfrm>
-            <a:off x="504000" y="225720"/>
-            <a:ext cx="9071640" cy="946800"/>
+            <a:off x="504000" y="226080"/>
+            <a:ext cx="9072000" cy="946440"/>
           </a:xfrm>
           <a:prstGeom prst="rect">
             <a:avLst/>
@@ -3635,7 +3635,7 @@
         <p:spPr>
           <a:xfrm>
             <a:off x="504000" y="1326600"/>
-            <a:ext cx="9071640" cy="3288240"/>
+            <a:ext cx="9072000" cy="3288600"/>
           </a:xfrm>
           <a:prstGeom prst="rect">
             <a:avLst/>
@@ -3686,8 +3686,8 @@
         </p:nvSpPr>
         <p:spPr>
           <a:xfrm>
-            <a:off x="504000" y="225720"/>
-            <a:ext cx="9071640" cy="946800"/>
+            <a:off x="504000" y="226080"/>
+            <a:ext cx="9072000" cy="946440"/>
           </a:xfrm>
           <a:prstGeom prst="rect">
             <a:avLst/>
@@ -3718,7 +3718,7 @@
         <p:spPr>
           <a:xfrm>
             <a:off x="504000" y="1326600"/>
-            <a:ext cx="4426920" cy="3288240"/>
+            <a:ext cx="4426920" cy="3288600"/>
           </a:xfrm>
           <a:prstGeom prst="rect">
             <a:avLst/>
@@ -3748,7 +3748,7 @@
         <p:spPr>
           <a:xfrm>
             <a:off x="5152680" y="1326600"/>
-            <a:ext cx="4426920" cy="3288240"/>
+            <a:ext cx="4426920" cy="3288600"/>
           </a:xfrm>
           <a:prstGeom prst="rect">
             <a:avLst/>
@@ -3799,8 +3799,8 @@
         </p:nvSpPr>
         <p:spPr>
           <a:xfrm>
-            <a:off x="504000" y="225720"/>
-            <a:ext cx="9071640" cy="946800"/>
+            <a:off x="504000" y="226080"/>
+            <a:ext cx="9072000" cy="946440"/>
           </a:xfrm>
           <a:prstGeom prst="rect">
             <a:avLst/>
@@ -3831,7 +3831,7 @@
         <p:spPr>
           <a:xfrm>
             <a:off x="504000" y="1326600"/>
-            <a:ext cx="4426920" cy="3288240"/>
+            <a:ext cx="4426920" cy="3288600"/>
           </a:xfrm>
           <a:prstGeom prst="rect">
             <a:avLst/>
@@ -3861,7 +3861,7 @@
         <p:spPr>
           <a:xfrm>
             <a:off x="5152680" y="1326600"/>
-            <a:ext cx="4426920" cy="3288240"/>
+            <a:ext cx="4426920" cy="3288600"/>
           </a:xfrm>
           <a:prstGeom prst="rect">
             <a:avLst/>
@@ -3912,8 +3912,8 @@
         </p:nvSpPr>
         <p:spPr>
           <a:xfrm>
-            <a:off x="504000" y="225720"/>
-            <a:ext cx="9071640" cy="946800"/>
+            <a:off x="504000" y="226080"/>
+            <a:ext cx="9072000" cy="946440"/>
           </a:xfrm>
           <a:prstGeom prst="rect">
             <a:avLst/>
@@ -3965,8 +3965,8 @@
         </p:nvSpPr>
         <p:spPr>
           <a:xfrm>
-            <a:off x="504000" y="225720"/>
-            <a:ext cx="9071640" cy="4390200"/>
+            <a:off x="504000" y="226080"/>
+            <a:ext cx="9072000" cy="4388400"/>
           </a:xfrm>
           <a:prstGeom prst="rect">
             <a:avLst/>
@@ -4018,8 +4018,8 @@
         </p:nvSpPr>
         <p:spPr>
           <a:xfrm>
-            <a:off x="504000" y="225720"/>
-            <a:ext cx="9071640" cy="946800"/>
+            <a:off x="504000" y="226080"/>
+            <a:ext cx="9072000" cy="946440"/>
           </a:xfrm>
           <a:prstGeom prst="rect">
             <a:avLst/>
@@ -4050,7 +4050,7 @@
         <p:spPr>
           <a:xfrm>
             <a:off x="504000" y="1326600"/>
-            <a:ext cx="4426920" cy="1568160"/>
+            <a:ext cx="4426920" cy="1568520"/>
           </a:xfrm>
           <a:prstGeom prst="rect">
             <a:avLst/>
@@ -4080,7 +4080,7 @@
         <p:spPr>
           <a:xfrm>
             <a:off x="5152680" y="1326600"/>
-            <a:ext cx="4426920" cy="3288240"/>
+            <a:ext cx="4426920" cy="3288600"/>
           </a:xfrm>
           <a:prstGeom prst="rect">
             <a:avLst/>
@@ -4109,8 +4109,8 @@
         </p:nvSpPr>
         <p:spPr>
           <a:xfrm>
-            <a:off x="504000" y="3044160"/>
-            <a:ext cx="4426920" cy="1568160"/>
+            <a:off x="504000" y="3044520"/>
+            <a:ext cx="4426920" cy="1568520"/>
           </a:xfrm>
           <a:prstGeom prst="rect">
             <a:avLst/>
@@ -4161,8 +4161,8 @@
         </p:nvSpPr>
         <p:spPr>
           <a:xfrm>
-            <a:off x="504000" y="225720"/>
-            <a:ext cx="9071640" cy="946800"/>
+            <a:off x="504000" y="226080"/>
+            <a:ext cx="9072000" cy="946440"/>
           </a:xfrm>
           <a:prstGeom prst="rect">
             <a:avLst/>
@@ -4193,7 +4193,7 @@
         <p:spPr>
           <a:xfrm>
             <a:off x="504000" y="1326600"/>
-            <a:ext cx="4426920" cy="3288240"/>
+            <a:ext cx="4426920" cy="3288600"/>
           </a:xfrm>
           <a:prstGeom prst="rect">
             <a:avLst/>
@@ -4223,7 +4223,7 @@
         <p:spPr>
           <a:xfrm>
             <a:off x="5152680" y="1326600"/>
-            <a:ext cx="4426920" cy="1568160"/>
+            <a:ext cx="4426920" cy="1568520"/>
           </a:xfrm>
           <a:prstGeom prst="rect">
             <a:avLst/>
@@ -4252,8 +4252,8 @@
         </p:nvSpPr>
         <p:spPr>
           <a:xfrm>
-            <a:off x="5152680" y="3044160"/>
-            <a:ext cx="4426920" cy="1568160"/>
+            <a:off x="5152680" y="3044520"/>
+            <a:ext cx="4426920" cy="1568520"/>
           </a:xfrm>
           <a:prstGeom prst="rect">
             <a:avLst/>
@@ -4304,8 +4304,8 @@
         </p:nvSpPr>
         <p:spPr>
           <a:xfrm>
-            <a:off x="504000" y="225720"/>
-            <a:ext cx="9071640" cy="946800"/>
+            <a:off x="504000" y="226080"/>
+            <a:ext cx="9072000" cy="946440"/>
           </a:xfrm>
           <a:prstGeom prst="rect">
             <a:avLst/>
@@ -4336,7 +4336,7 @@
         <p:spPr>
           <a:xfrm>
             <a:off x="504000" y="1326600"/>
-            <a:ext cx="4426920" cy="1568160"/>
+            <a:ext cx="4426920" cy="1568520"/>
           </a:xfrm>
           <a:prstGeom prst="rect">
             <a:avLst/>
@@ -4366,7 +4366,7 @@
         <p:spPr>
           <a:xfrm>
             <a:off x="5152680" y="1326600"/>
-            <a:ext cx="4426920" cy="1568160"/>
+            <a:ext cx="4426920" cy="1568520"/>
           </a:xfrm>
           <a:prstGeom prst="rect">
             <a:avLst/>
@@ -4395,8 +4395,8 @@
         </p:nvSpPr>
         <p:spPr>
           <a:xfrm>
-            <a:off x="504000" y="3044160"/>
-            <a:ext cx="9071640" cy="1568160"/>
+            <a:off x="504000" y="3044520"/>
+            <a:ext cx="9072000" cy="1568520"/>
           </a:xfrm>
           <a:prstGeom prst="rect">
             <a:avLst/>
@@ -4447,8 +4447,8 @@
         </p:nvSpPr>
         <p:spPr>
           <a:xfrm>
-            <a:off x="504000" y="225720"/>
-            <a:ext cx="9071640" cy="946800"/>
+            <a:off x="504000" y="226080"/>
+            <a:ext cx="9072000" cy="946440"/>
           </a:xfrm>
           <a:prstGeom prst="rect">
             <a:avLst/>
@@ -4479,7 +4479,7 @@
         <p:spPr>
           <a:xfrm>
             <a:off x="504000" y="1326600"/>
-            <a:ext cx="9071640" cy="1568160"/>
+            <a:ext cx="9072000" cy="1568520"/>
           </a:xfrm>
           <a:prstGeom prst="rect">
             <a:avLst/>
@@ -4508,8 +4508,8 @@
         </p:nvSpPr>
         <p:spPr>
           <a:xfrm>
-            <a:off x="504000" y="3044160"/>
-            <a:ext cx="9071640" cy="1568160"/>
+            <a:off x="504000" y="3044520"/>
+            <a:ext cx="9072000" cy="1568520"/>
           </a:xfrm>
           <a:prstGeom prst="rect">
             <a:avLst/>
@@ -4560,8 +4560,8 @@
         </p:nvSpPr>
         <p:spPr>
           <a:xfrm>
-            <a:off x="504000" y="225720"/>
-            <a:ext cx="9071640" cy="946800"/>
+            <a:off x="504000" y="226080"/>
+            <a:ext cx="9072000" cy="946440"/>
           </a:xfrm>
           <a:prstGeom prst="rect">
             <a:avLst/>
@@ -4592,7 +4592,7 @@
         <p:spPr>
           <a:xfrm>
             <a:off x="504000" y="1326600"/>
-            <a:ext cx="4426920" cy="1568160"/>
+            <a:ext cx="4426920" cy="1568520"/>
           </a:xfrm>
           <a:prstGeom prst="rect">
             <a:avLst/>
@@ -4622,7 +4622,7 @@
         <p:spPr>
           <a:xfrm>
             <a:off x="5152680" y="1326600"/>
-            <a:ext cx="4426920" cy="1568160"/>
+            <a:ext cx="4426920" cy="1568520"/>
           </a:xfrm>
           <a:prstGeom prst="rect">
             <a:avLst/>
@@ -4651,8 +4651,8 @@
         </p:nvSpPr>
         <p:spPr>
           <a:xfrm>
-            <a:off x="504000" y="3044160"/>
-            <a:ext cx="4426920" cy="1568160"/>
+            <a:off x="504000" y="3044520"/>
+            <a:ext cx="4426920" cy="1568520"/>
           </a:xfrm>
           <a:prstGeom prst="rect">
             <a:avLst/>
@@ -4681,8 +4681,8 @@
         </p:nvSpPr>
         <p:spPr>
           <a:xfrm>
-            <a:off x="5152680" y="3044160"/>
-            <a:ext cx="4426920" cy="1568160"/>
+            <a:off x="5152680" y="3044520"/>
+            <a:ext cx="4426920" cy="1568520"/>
           </a:xfrm>
           <a:prstGeom prst="rect">
             <a:avLst/>
@@ -4733,8 +4733,8 @@
         </p:nvSpPr>
         <p:spPr>
           <a:xfrm>
-            <a:off x="504000" y="225720"/>
-            <a:ext cx="9071640" cy="946800"/>
+            <a:off x="504000" y="226080"/>
+            <a:ext cx="9072000" cy="946440"/>
           </a:xfrm>
           <a:prstGeom prst="rect">
             <a:avLst/>
@@ -4765,7 +4765,7 @@
         <p:spPr>
           <a:xfrm>
             <a:off x="504000" y="1326600"/>
-            <a:ext cx="2920680" cy="1568160"/>
+            <a:ext cx="2921040" cy="1568520"/>
           </a:xfrm>
           <a:prstGeom prst="rect">
             <a:avLst/>
@@ -4794,8 +4794,8 @@
         </p:nvSpPr>
         <p:spPr>
           <a:xfrm>
-            <a:off x="3571200" y="1326600"/>
-            <a:ext cx="2920680" cy="1568160"/>
+            <a:off x="3571560" y="1326600"/>
+            <a:ext cx="2921040" cy="1568520"/>
           </a:xfrm>
           <a:prstGeom prst="rect">
             <a:avLst/>
@@ -4824,8 +4824,8 @@
         </p:nvSpPr>
         <p:spPr>
           <a:xfrm>
-            <a:off x="6638040" y="1326600"/>
-            <a:ext cx="2920680" cy="1568160"/>
+            <a:off x="6639120" y="1326600"/>
+            <a:ext cx="2921040" cy="1568520"/>
           </a:xfrm>
           <a:prstGeom prst="rect">
             <a:avLst/>
@@ -4854,8 +4854,8 @@
         </p:nvSpPr>
         <p:spPr>
           <a:xfrm>
-            <a:off x="504000" y="3044160"/>
-            <a:ext cx="2920680" cy="1568160"/>
+            <a:off x="504000" y="3044520"/>
+            <a:ext cx="2921040" cy="1568520"/>
           </a:xfrm>
           <a:prstGeom prst="rect">
             <a:avLst/>
@@ -4884,8 +4884,8 @@
         </p:nvSpPr>
         <p:spPr>
           <a:xfrm>
-            <a:off x="3571200" y="3044160"/>
-            <a:ext cx="2920680" cy="1568160"/>
+            <a:off x="3571560" y="3044520"/>
+            <a:ext cx="2921040" cy="1568520"/>
           </a:xfrm>
           <a:prstGeom prst="rect">
             <a:avLst/>
@@ -4914,8 +4914,8 @@
         </p:nvSpPr>
         <p:spPr>
           <a:xfrm>
-            <a:off x="6638040" y="3044160"/>
-            <a:ext cx="2920680" cy="1568160"/>
+            <a:off x="6639120" y="3044520"/>
+            <a:ext cx="2921040" cy="1568520"/>
           </a:xfrm>
           <a:prstGeom prst="rect">
             <a:avLst/>
@@ -4988,8 +4988,8 @@
         </p:nvSpPr>
         <p:spPr>
           <a:xfrm>
-            <a:off x="504000" y="225720"/>
-            <a:ext cx="9071640" cy="946800"/>
+            <a:off x="504000" y="226080"/>
+            <a:ext cx="9072000" cy="946440"/>
           </a:xfrm>
           <a:prstGeom prst="rect">
             <a:avLst/>
@@ -5041,8 +5041,8 @@
         </p:nvSpPr>
         <p:spPr>
           <a:xfrm>
-            <a:off x="504000" y="225720"/>
-            <a:ext cx="9071640" cy="946800"/>
+            <a:off x="504000" y="226080"/>
+            <a:ext cx="9072000" cy="946440"/>
           </a:xfrm>
           <a:prstGeom prst="rect">
             <a:avLst/>
@@ -5073,7 +5073,7 @@
         <p:spPr>
           <a:xfrm>
             <a:off x="504000" y="1326600"/>
-            <a:ext cx="9071640" cy="3288240"/>
+            <a:ext cx="9072000" cy="3288600"/>
           </a:xfrm>
           <a:prstGeom prst="rect">
             <a:avLst/>
@@ -5125,8 +5125,8 @@
         </p:nvSpPr>
         <p:spPr>
           <a:xfrm>
-            <a:off x="504000" y="225720"/>
-            <a:ext cx="9071640" cy="946800"/>
+            <a:off x="504000" y="226080"/>
+            <a:ext cx="9072000" cy="946440"/>
           </a:xfrm>
           <a:prstGeom prst="rect">
             <a:avLst/>
@@ -5157,7 +5157,7 @@
         <p:spPr>
           <a:xfrm>
             <a:off x="504000" y="1326600"/>
-            <a:ext cx="9071640" cy="3288240"/>
+            <a:ext cx="9072000" cy="3288600"/>
           </a:xfrm>
           <a:prstGeom prst="rect">
             <a:avLst/>
@@ -5208,8 +5208,8 @@
         </p:nvSpPr>
         <p:spPr>
           <a:xfrm>
-            <a:off x="504000" y="225720"/>
-            <a:ext cx="9071640" cy="946800"/>
+            <a:off x="504000" y="226080"/>
+            <a:ext cx="9072000" cy="946440"/>
           </a:xfrm>
           <a:prstGeom prst="rect">
             <a:avLst/>
@@ -5240,7 +5240,7 @@
         <p:spPr>
           <a:xfrm>
             <a:off x="504000" y="1326600"/>
-            <a:ext cx="4426920" cy="3288240"/>
+            <a:ext cx="4426920" cy="3288600"/>
           </a:xfrm>
           <a:prstGeom prst="rect">
             <a:avLst/>
@@ -5270,7 +5270,7 @@
         <p:spPr>
           <a:xfrm>
             <a:off x="5152680" y="1326600"/>
-            <a:ext cx="4426920" cy="3288240"/>
+            <a:ext cx="4426920" cy="3288600"/>
           </a:xfrm>
           <a:prstGeom prst="rect">
             <a:avLst/>
@@ -5321,8 +5321,8 @@
         </p:nvSpPr>
         <p:spPr>
           <a:xfrm>
-            <a:off x="504000" y="225720"/>
-            <a:ext cx="9071640" cy="946800"/>
+            <a:off x="504000" y="226080"/>
+            <a:ext cx="9072000" cy="946440"/>
           </a:xfrm>
           <a:prstGeom prst="rect">
             <a:avLst/>
@@ -5374,8 +5374,8 @@
         </p:nvSpPr>
         <p:spPr>
           <a:xfrm>
-            <a:off x="504000" y="225720"/>
-            <a:ext cx="9071640" cy="4390200"/>
+            <a:off x="504000" y="226080"/>
+            <a:ext cx="9072000" cy="4388400"/>
           </a:xfrm>
           <a:prstGeom prst="rect">
             <a:avLst/>
@@ -5427,8 +5427,8 @@
         </p:nvSpPr>
         <p:spPr>
           <a:xfrm>
-            <a:off x="504000" y="225720"/>
-            <a:ext cx="9071640" cy="946800"/>
+            <a:off x="504000" y="226080"/>
+            <a:ext cx="9072000" cy="946440"/>
           </a:xfrm>
           <a:prstGeom prst="rect">
             <a:avLst/>
@@ -5459,7 +5459,7 @@
         <p:spPr>
           <a:xfrm>
             <a:off x="504000" y="1326600"/>
-            <a:ext cx="4426920" cy="1568160"/>
+            <a:ext cx="4426920" cy="1568520"/>
           </a:xfrm>
           <a:prstGeom prst="rect">
             <a:avLst/>
@@ -5489,7 +5489,7 @@
         <p:spPr>
           <a:xfrm>
             <a:off x="5152680" y="1326600"/>
-            <a:ext cx="4426920" cy="3288240"/>
+            <a:ext cx="4426920" cy="3288600"/>
           </a:xfrm>
           <a:prstGeom prst="rect">
             <a:avLst/>
@@ -5518,8 +5518,8 @@
         </p:nvSpPr>
         <p:spPr>
           <a:xfrm>
-            <a:off x="504000" y="3044160"/>
-            <a:ext cx="4426920" cy="1568160"/>
+            <a:off x="504000" y="3044520"/>
+            <a:ext cx="4426920" cy="1568520"/>
           </a:xfrm>
           <a:prstGeom prst="rect">
             <a:avLst/>
@@ -5570,8 +5570,8 @@
         </p:nvSpPr>
         <p:spPr>
           <a:xfrm>
-            <a:off x="504000" y="225720"/>
-            <a:ext cx="9071640" cy="946800"/>
+            <a:off x="504000" y="226080"/>
+            <a:ext cx="9072000" cy="946440"/>
           </a:xfrm>
           <a:prstGeom prst="rect">
             <a:avLst/>
@@ -5602,7 +5602,7 @@
         <p:spPr>
           <a:xfrm>
             <a:off x="504000" y="1326600"/>
-            <a:ext cx="4426920" cy="3288240"/>
+            <a:ext cx="4426920" cy="3288600"/>
           </a:xfrm>
           <a:prstGeom prst="rect">
             <a:avLst/>
@@ -5632,7 +5632,7 @@
         <p:spPr>
           <a:xfrm>
             <a:off x="5152680" y="1326600"/>
-            <a:ext cx="4426920" cy="1568160"/>
+            <a:ext cx="4426920" cy="1568520"/>
           </a:xfrm>
           <a:prstGeom prst="rect">
             <a:avLst/>
@@ -5661,8 +5661,8 @@
         </p:nvSpPr>
         <p:spPr>
           <a:xfrm>
-            <a:off x="5152680" y="3044160"/>
-            <a:ext cx="4426920" cy="1568160"/>
+            <a:off x="5152680" y="3044520"/>
+            <a:ext cx="4426920" cy="1568520"/>
           </a:xfrm>
           <a:prstGeom prst="rect">
             <a:avLst/>
@@ -5713,8 +5713,8 @@
         </p:nvSpPr>
         <p:spPr>
           <a:xfrm>
-            <a:off x="504000" y="225720"/>
-            <a:ext cx="9071640" cy="946800"/>
+            <a:off x="504000" y="226080"/>
+            <a:ext cx="9072000" cy="946440"/>
           </a:xfrm>
           <a:prstGeom prst="rect">
             <a:avLst/>
@@ -5745,7 +5745,7 @@
         <p:spPr>
           <a:xfrm>
             <a:off x="504000" y="1326600"/>
-            <a:ext cx="4426920" cy="1568160"/>
+            <a:ext cx="4426920" cy="1568520"/>
           </a:xfrm>
           <a:prstGeom prst="rect">
             <a:avLst/>
@@ -5775,7 +5775,7 @@
         <p:spPr>
           <a:xfrm>
             <a:off x="5152680" y="1326600"/>
-            <a:ext cx="4426920" cy="1568160"/>
+            <a:ext cx="4426920" cy="1568520"/>
           </a:xfrm>
           <a:prstGeom prst="rect">
             <a:avLst/>
@@ -5804,8 +5804,8 @@
         </p:nvSpPr>
         <p:spPr>
           <a:xfrm>
-            <a:off x="504000" y="3044160"/>
-            <a:ext cx="9071640" cy="1568160"/>
+            <a:off x="504000" y="3044520"/>
+            <a:ext cx="9072000" cy="1568520"/>
           </a:xfrm>
           <a:prstGeom prst="rect">
             <a:avLst/>
@@ -5856,8 +5856,8 @@
         </p:nvSpPr>
         <p:spPr>
           <a:xfrm>
-            <a:off x="504000" y="225720"/>
-            <a:ext cx="9071640" cy="946800"/>
+            <a:off x="504000" y="226080"/>
+            <a:ext cx="9072000" cy="946440"/>
           </a:xfrm>
           <a:prstGeom prst="rect">
             <a:avLst/>
@@ -5888,7 +5888,7 @@
         <p:spPr>
           <a:xfrm>
             <a:off x="504000" y="1326600"/>
-            <a:ext cx="9071640" cy="1568160"/>
+            <a:ext cx="9072000" cy="1568520"/>
           </a:xfrm>
           <a:prstGeom prst="rect">
             <a:avLst/>
@@ -5917,8 +5917,8 @@
         </p:nvSpPr>
         <p:spPr>
           <a:xfrm>
-            <a:off x="504000" y="3044160"/>
-            <a:ext cx="9071640" cy="1568160"/>
+            <a:off x="504000" y="3044520"/>
+            <a:ext cx="9072000" cy="1568520"/>
           </a:xfrm>
           <a:prstGeom prst="rect">
             <a:avLst/>
@@ -5969,8 +5969,8 @@
         </p:nvSpPr>
         <p:spPr>
           <a:xfrm>
-            <a:off x="504000" y="225720"/>
-            <a:ext cx="9071640" cy="946800"/>
+            <a:off x="504000" y="226080"/>
+            <a:ext cx="9072000" cy="946440"/>
           </a:xfrm>
           <a:prstGeom prst="rect">
             <a:avLst/>
@@ -6001,7 +6001,7 @@
         <p:spPr>
           <a:xfrm>
             <a:off x="504000" y="1326600"/>
-            <a:ext cx="4426920" cy="1568160"/>
+            <a:ext cx="4426920" cy="1568520"/>
           </a:xfrm>
           <a:prstGeom prst="rect">
             <a:avLst/>
@@ -6031,7 +6031,7 @@
         <p:spPr>
           <a:xfrm>
             <a:off x="5152680" y="1326600"/>
-            <a:ext cx="4426920" cy="1568160"/>
+            <a:ext cx="4426920" cy="1568520"/>
           </a:xfrm>
           <a:prstGeom prst="rect">
             <a:avLst/>
@@ -6060,8 +6060,8 @@
         </p:nvSpPr>
         <p:spPr>
           <a:xfrm>
-            <a:off x="504000" y="3044160"/>
-            <a:ext cx="4426920" cy="1568160"/>
+            <a:off x="504000" y="3044520"/>
+            <a:ext cx="4426920" cy="1568520"/>
           </a:xfrm>
           <a:prstGeom prst="rect">
             <a:avLst/>
@@ -6090,8 +6090,8 @@
         </p:nvSpPr>
         <p:spPr>
           <a:xfrm>
-            <a:off x="5152680" y="3044160"/>
-            <a:ext cx="4426920" cy="1568160"/>
+            <a:off x="5152680" y="3044520"/>
+            <a:ext cx="4426920" cy="1568520"/>
           </a:xfrm>
           <a:prstGeom prst="rect">
             <a:avLst/>
@@ -6142,8 +6142,8 @@
         </p:nvSpPr>
         <p:spPr>
           <a:xfrm>
-            <a:off x="504000" y="225720"/>
-            <a:ext cx="9071640" cy="4390200"/>
+            <a:off x="504000" y="226080"/>
+            <a:ext cx="9072000" cy="4388400"/>
           </a:xfrm>
           <a:prstGeom prst="rect">
             <a:avLst/>
@@ -6195,8 +6195,8 @@
         </p:nvSpPr>
         <p:spPr>
           <a:xfrm>
-            <a:off x="504000" y="225720"/>
-            <a:ext cx="9071640" cy="946800"/>
+            <a:off x="504000" y="226080"/>
+            <a:ext cx="9072000" cy="946440"/>
           </a:xfrm>
           <a:prstGeom prst="rect">
             <a:avLst/>
@@ -6227,7 +6227,7 @@
         <p:spPr>
           <a:xfrm>
             <a:off x="504000" y="1326600"/>
-            <a:ext cx="2920680" cy="1568160"/>
+            <a:ext cx="2921040" cy="1568520"/>
           </a:xfrm>
           <a:prstGeom prst="rect">
             <a:avLst/>
@@ -6256,8 +6256,8 @@
         </p:nvSpPr>
         <p:spPr>
           <a:xfrm>
-            <a:off x="3571200" y="1326600"/>
-            <a:ext cx="2920680" cy="1568160"/>
+            <a:off x="3571560" y="1326600"/>
+            <a:ext cx="2921040" cy="1568520"/>
           </a:xfrm>
           <a:prstGeom prst="rect">
             <a:avLst/>
@@ -6286,8 +6286,8 @@
         </p:nvSpPr>
         <p:spPr>
           <a:xfrm>
-            <a:off x="6638040" y="1326600"/>
-            <a:ext cx="2920680" cy="1568160"/>
+            <a:off x="6639120" y="1326600"/>
+            <a:ext cx="2921040" cy="1568520"/>
           </a:xfrm>
           <a:prstGeom prst="rect">
             <a:avLst/>
@@ -6316,8 +6316,8 @@
         </p:nvSpPr>
         <p:spPr>
           <a:xfrm>
-            <a:off x="504000" y="3044160"/>
-            <a:ext cx="2920680" cy="1568160"/>
+            <a:off x="504000" y="3044520"/>
+            <a:ext cx="2921040" cy="1568520"/>
           </a:xfrm>
           <a:prstGeom prst="rect">
             <a:avLst/>
@@ -6346,8 +6346,8 @@
         </p:nvSpPr>
         <p:spPr>
           <a:xfrm>
-            <a:off x="3571200" y="3044160"/>
-            <a:ext cx="2920680" cy="1568160"/>
+            <a:off x="3571560" y="3044520"/>
+            <a:ext cx="2921040" cy="1568520"/>
           </a:xfrm>
           <a:prstGeom prst="rect">
             <a:avLst/>
@@ -6376,8 +6376,8 @@
         </p:nvSpPr>
         <p:spPr>
           <a:xfrm>
-            <a:off x="6638040" y="3044160"/>
-            <a:ext cx="2920680" cy="1568160"/>
+            <a:off x="6639120" y="3044520"/>
+            <a:ext cx="2921040" cy="1568520"/>
           </a:xfrm>
           <a:prstGeom prst="rect">
             <a:avLst/>
@@ -6450,8 +6450,8 @@
         </p:nvSpPr>
         <p:spPr>
           <a:xfrm>
-            <a:off x="504000" y="225720"/>
-            <a:ext cx="9071640" cy="946800"/>
+            <a:off x="504000" y="226080"/>
+            <a:ext cx="9072000" cy="946440"/>
           </a:xfrm>
           <a:prstGeom prst="rect">
             <a:avLst/>
@@ -6482,7 +6482,7 @@
         <p:spPr>
           <a:xfrm>
             <a:off x="504000" y="1326600"/>
-            <a:ext cx="9071640" cy="3288240"/>
+            <a:ext cx="9072000" cy="3288600"/>
           </a:xfrm>
           <a:prstGeom prst="rect">
             <a:avLst/>
@@ -6534,8 +6534,8 @@
         </p:nvSpPr>
         <p:spPr>
           <a:xfrm>
-            <a:off x="504000" y="225720"/>
-            <a:ext cx="9071640" cy="946800"/>
+            <a:off x="504000" y="226080"/>
+            <a:ext cx="9072000" cy="946440"/>
           </a:xfrm>
           <a:prstGeom prst="rect">
             <a:avLst/>
@@ -6566,7 +6566,7 @@
         <p:spPr>
           <a:xfrm>
             <a:off x="504000" y="1326600"/>
-            <a:ext cx="9071640" cy="3288240"/>
+            <a:ext cx="9072000" cy="3288600"/>
           </a:xfrm>
           <a:prstGeom prst="rect">
             <a:avLst/>
@@ -6617,8 +6617,8 @@
         </p:nvSpPr>
         <p:spPr>
           <a:xfrm>
-            <a:off x="504000" y="225720"/>
-            <a:ext cx="9071640" cy="946800"/>
+            <a:off x="504000" y="226080"/>
+            <a:ext cx="9072000" cy="946440"/>
           </a:xfrm>
           <a:prstGeom prst="rect">
             <a:avLst/>
@@ -6649,7 +6649,7 @@
         <p:spPr>
           <a:xfrm>
             <a:off x="504000" y="1326600"/>
-            <a:ext cx="4426920" cy="3288240"/>
+            <a:ext cx="4426920" cy="3288600"/>
           </a:xfrm>
           <a:prstGeom prst="rect">
             <a:avLst/>
@@ -6679,7 +6679,7 @@
         <p:spPr>
           <a:xfrm>
             <a:off x="5152680" y="1326600"/>
-            <a:ext cx="4426920" cy="3288240"/>
+            <a:ext cx="4426920" cy="3288600"/>
           </a:xfrm>
           <a:prstGeom prst="rect">
             <a:avLst/>
@@ -6730,8 +6730,8 @@
         </p:nvSpPr>
         <p:spPr>
           <a:xfrm>
-            <a:off x="504000" y="225720"/>
-            <a:ext cx="9071640" cy="946800"/>
+            <a:off x="504000" y="226080"/>
+            <a:ext cx="9072000" cy="946440"/>
           </a:xfrm>
           <a:prstGeom prst="rect">
             <a:avLst/>
@@ -6783,8 +6783,8 @@
         </p:nvSpPr>
         <p:spPr>
           <a:xfrm>
-            <a:off x="504000" y="225720"/>
-            <a:ext cx="9071640" cy="4390200"/>
+            <a:off x="504000" y="226080"/>
+            <a:ext cx="9072000" cy="4388400"/>
           </a:xfrm>
           <a:prstGeom prst="rect">
             <a:avLst/>
@@ -6836,8 +6836,8 @@
         </p:nvSpPr>
         <p:spPr>
           <a:xfrm>
-            <a:off x="504000" y="225720"/>
-            <a:ext cx="9071640" cy="946800"/>
+            <a:off x="504000" y="226080"/>
+            <a:ext cx="9072000" cy="946440"/>
           </a:xfrm>
           <a:prstGeom prst="rect">
             <a:avLst/>
@@ -6868,7 +6868,7 @@
         <p:spPr>
           <a:xfrm>
             <a:off x="504000" y="1326600"/>
-            <a:ext cx="4426920" cy="1568160"/>
+            <a:ext cx="4426920" cy="1568520"/>
           </a:xfrm>
           <a:prstGeom prst="rect">
             <a:avLst/>
@@ -6898,7 +6898,7 @@
         <p:spPr>
           <a:xfrm>
             <a:off x="5152680" y="1326600"/>
-            <a:ext cx="4426920" cy="3288240"/>
+            <a:ext cx="4426920" cy="3288600"/>
           </a:xfrm>
           <a:prstGeom prst="rect">
             <a:avLst/>
@@ -6927,8 +6927,8 @@
         </p:nvSpPr>
         <p:spPr>
           <a:xfrm>
-            <a:off x="504000" y="3044160"/>
-            <a:ext cx="4426920" cy="1568160"/>
+            <a:off x="504000" y="3044520"/>
+            <a:ext cx="4426920" cy="1568520"/>
           </a:xfrm>
           <a:prstGeom prst="rect">
             <a:avLst/>
@@ -6979,8 +6979,8 @@
         </p:nvSpPr>
         <p:spPr>
           <a:xfrm>
-            <a:off x="504000" y="225720"/>
-            <a:ext cx="9071640" cy="946800"/>
+            <a:off x="504000" y="226080"/>
+            <a:ext cx="9072000" cy="946440"/>
           </a:xfrm>
           <a:prstGeom prst="rect">
             <a:avLst/>
@@ -7011,7 +7011,7 @@
         <p:spPr>
           <a:xfrm>
             <a:off x="504000" y="1326600"/>
-            <a:ext cx="4426920" cy="3288240"/>
+            <a:ext cx="4426920" cy="3288600"/>
           </a:xfrm>
           <a:prstGeom prst="rect">
             <a:avLst/>
@@ -7041,7 +7041,7 @@
         <p:spPr>
           <a:xfrm>
             <a:off x="5152680" y="1326600"/>
-            <a:ext cx="4426920" cy="1568160"/>
+            <a:ext cx="4426920" cy="1568520"/>
           </a:xfrm>
           <a:prstGeom prst="rect">
             <a:avLst/>
@@ -7070,8 +7070,8 @@
         </p:nvSpPr>
         <p:spPr>
           <a:xfrm>
-            <a:off x="5152680" y="3044160"/>
-            <a:ext cx="4426920" cy="1568160"/>
+            <a:off x="5152680" y="3044520"/>
+            <a:ext cx="4426920" cy="1568520"/>
           </a:xfrm>
           <a:prstGeom prst="rect">
             <a:avLst/>
@@ -7122,8 +7122,8 @@
         </p:nvSpPr>
         <p:spPr>
           <a:xfrm>
-            <a:off x="504000" y="225720"/>
-            <a:ext cx="9071640" cy="946800"/>
+            <a:off x="504000" y="226080"/>
+            <a:ext cx="9072000" cy="946440"/>
           </a:xfrm>
           <a:prstGeom prst="rect">
             <a:avLst/>
@@ -7154,7 +7154,7 @@
         <p:spPr>
           <a:xfrm>
             <a:off x="504000" y="1326600"/>
-            <a:ext cx="4426920" cy="1568160"/>
+            <a:ext cx="4426920" cy="1568520"/>
           </a:xfrm>
           <a:prstGeom prst="rect">
             <a:avLst/>
@@ -7184,7 +7184,7 @@
         <p:spPr>
           <a:xfrm>
             <a:off x="5152680" y="1326600"/>
-            <a:ext cx="4426920" cy="1568160"/>
+            <a:ext cx="4426920" cy="1568520"/>
           </a:xfrm>
           <a:prstGeom prst="rect">
             <a:avLst/>
@@ -7213,8 +7213,8 @@
         </p:nvSpPr>
         <p:spPr>
           <a:xfrm>
-            <a:off x="504000" y="3044160"/>
-            <a:ext cx="9071640" cy="1568160"/>
+            <a:off x="504000" y="3044520"/>
+            <a:ext cx="9072000" cy="1568520"/>
           </a:xfrm>
           <a:prstGeom prst="rect">
             <a:avLst/>
@@ -7265,8 +7265,8 @@
         </p:nvSpPr>
         <p:spPr>
           <a:xfrm>
-            <a:off x="504000" y="225720"/>
-            <a:ext cx="9071640" cy="946800"/>
+            <a:off x="504000" y="226080"/>
+            <a:ext cx="9072000" cy="946440"/>
           </a:xfrm>
           <a:prstGeom prst="rect">
             <a:avLst/>
@@ -7297,7 +7297,7 @@
         <p:spPr>
           <a:xfrm>
             <a:off x="504000" y="1326600"/>
-            <a:ext cx="4426920" cy="1568160"/>
+            <a:ext cx="4426920" cy="1568520"/>
           </a:xfrm>
           <a:prstGeom prst="rect">
             <a:avLst/>
@@ -7327,7 +7327,7 @@
         <p:spPr>
           <a:xfrm>
             <a:off x="5152680" y="1326600"/>
-            <a:ext cx="4426920" cy="3288240"/>
+            <a:ext cx="4426920" cy="3288600"/>
           </a:xfrm>
           <a:prstGeom prst="rect">
             <a:avLst/>
@@ -7356,8 +7356,8 @@
         </p:nvSpPr>
         <p:spPr>
           <a:xfrm>
-            <a:off x="504000" y="3044160"/>
-            <a:ext cx="4426920" cy="1568160"/>
+            <a:off x="504000" y="3044520"/>
+            <a:ext cx="4426920" cy="1568520"/>
           </a:xfrm>
           <a:prstGeom prst="rect">
             <a:avLst/>
@@ -7408,8 +7408,8 @@
         </p:nvSpPr>
         <p:spPr>
           <a:xfrm>
-            <a:off x="504000" y="225720"/>
-            <a:ext cx="9071640" cy="946800"/>
+            <a:off x="504000" y="226080"/>
+            <a:ext cx="9072000" cy="946440"/>
           </a:xfrm>
           <a:prstGeom prst="rect">
             <a:avLst/>
@@ -7440,7 +7440,7 @@
         <p:spPr>
           <a:xfrm>
             <a:off x="504000" y="1326600"/>
-            <a:ext cx="9071640" cy="1568160"/>
+            <a:ext cx="9072000" cy="1568520"/>
           </a:xfrm>
           <a:prstGeom prst="rect">
             <a:avLst/>
@@ -7469,8 +7469,8 @@
         </p:nvSpPr>
         <p:spPr>
           <a:xfrm>
-            <a:off x="504000" y="3044160"/>
-            <a:ext cx="9071640" cy="1568160"/>
+            <a:off x="504000" y="3044520"/>
+            <a:ext cx="9072000" cy="1568520"/>
           </a:xfrm>
           <a:prstGeom prst="rect">
             <a:avLst/>
@@ -7521,8 +7521,8 @@
         </p:nvSpPr>
         <p:spPr>
           <a:xfrm>
-            <a:off x="504000" y="225720"/>
-            <a:ext cx="9071640" cy="946800"/>
+            <a:off x="504000" y="226080"/>
+            <a:ext cx="9072000" cy="946440"/>
           </a:xfrm>
           <a:prstGeom prst="rect">
             <a:avLst/>
@@ -7553,7 +7553,7 @@
         <p:spPr>
           <a:xfrm>
             <a:off x="504000" y="1326600"/>
-            <a:ext cx="4426920" cy="1568160"/>
+            <a:ext cx="4426920" cy="1568520"/>
           </a:xfrm>
           <a:prstGeom prst="rect">
             <a:avLst/>
@@ -7583,7 +7583,7 @@
         <p:spPr>
           <a:xfrm>
             <a:off x="5152680" y="1326600"/>
-            <a:ext cx="4426920" cy="1568160"/>
+            <a:ext cx="4426920" cy="1568520"/>
           </a:xfrm>
           <a:prstGeom prst="rect">
             <a:avLst/>
@@ -7612,8 +7612,8 @@
         </p:nvSpPr>
         <p:spPr>
           <a:xfrm>
-            <a:off x="504000" y="3044160"/>
-            <a:ext cx="4426920" cy="1568160"/>
+            <a:off x="504000" y="3044520"/>
+            <a:ext cx="4426920" cy="1568520"/>
           </a:xfrm>
           <a:prstGeom prst="rect">
             <a:avLst/>
@@ -7642,8 +7642,8 @@
         </p:nvSpPr>
         <p:spPr>
           <a:xfrm>
-            <a:off x="5152680" y="3044160"/>
-            <a:ext cx="4426920" cy="1568160"/>
+            <a:off x="5152680" y="3044520"/>
+            <a:ext cx="4426920" cy="1568520"/>
           </a:xfrm>
           <a:prstGeom prst="rect">
             <a:avLst/>
@@ -7694,8 +7694,8 @@
         </p:nvSpPr>
         <p:spPr>
           <a:xfrm>
-            <a:off x="504000" y="225720"/>
-            <a:ext cx="9071640" cy="946800"/>
+            <a:off x="504000" y="226080"/>
+            <a:ext cx="9072000" cy="946440"/>
           </a:xfrm>
           <a:prstGeom prst="rect">
             <a:avLst/>
@@ -7726,7 +7726,7 @@
         <p:spPr>
           <a:xfrm>
             <a:off x="504000" y="1326600"/>
-            <a:ext cx="2920680" cy="1568160"/>
+            <a:ext cx="2921040" cy="1568520"/>
           </a:xfrm>
           <a:prstGeom prst="rect">
             <a:avLst/>
@@ -7755,8 +7755,8 @@
         </p:nvSpPr>
         <p:spPr>
           <a:xfrm>
-            <a:off x="3571200" y="1326600"/>
-            <a:ext cx="2920680" cy="1568160"/>
+            <a:off x="3571560" y="1326600"/>
+            <a:ext cx="2921040" cy="1568520"/>
           </a:xfrm>
           <a:prstGeom prst="rect">
             <a:avLst/>
@@ -7785,8 +7785,8 @@
         </p:nvSpPr>
         <p:spPr>
           <a:xfrm>
-            <a:off x="6638040" y="1326600"/>
-            <a:ext cx="2920680" cy="1568160"/>
+            <a:off x="6639120" y="1326600"/>
+            <a:ext cx="2921040" cy="1568520"/>
           </a:xfrm>
           <a:prstGeom prst="rect">
             <a:avLst/>
@@ -7815,8 +7815,8 @@
         </p:nvSpPr>
         <p:spPr>
           <a:xfrm>
-            <a:off x="504000" y="3044160"/>
-            <a:ext cx="2920680" cy="1568160"/>
+            <a:off x="504000" y="3044520"/>
+            <a:ext cx="2921040" cy="1568520"/>
           </a:xfrm>
           <a:prstGeom prst="rect">
             <a:avLst/>
@@ -7845,8 +7845,8 @@
         </p:nvSpPr>
         <p:spPr>
           <a:xfrm>
-            <a:off x="3571200" y="3044160"/>
-            <a:ext cx="2920680" cy="1568160"/>
+            <a:off x="3571560" y="3044520"/>
+            <a:ext cx="2921040" cy="1568520"/>
           </a:xfrm>
           <a:prstGeom prst="rect">
             <a:avLst/>
@@ -7875,8 +7875,8 @@
         </p:nvSpPr>
         <p:spPr>
           <a:xfrm>
-            <a:off x="6638040" y="3044160"/>
-            <a:ext cx="2920680" cy="1568160"/>
+            <a:off x="6639120" y="3044520"/>
+            <a:ext cx="2921040" cy="1568520"/>
           </a:xfrm>
           <a:prstGeom prst="rect">
             <a:avLst/>
@@ -7927,8 +7927,8 @@
         </p:nvSpPr>
         <p:spPr>
           <a:xfrm>
-            <a:off x="504000" y="225720"/>
-            <a:ext cx="9071640" cy="946800"/>
+            <a:off x="504000" y="226080"/>
+            <a:ext cx="9072000" cy="946440"/>
           </a:xfrm>
           <a:prstGeom prst="rect">
             <a:avLst/>
@@ -7959,7 +7959,7 @@
         <p:spPr>
           <a:xfrm>
             <a:off x="504000" y="1326600"/>
-            <a:ext cx="4426920" cy="3288240"/>
+            <a:ext cx="4426920" cy="3288600"/>
           </a:xfrm>
           <a:prstGeom prst="rect">
             <a:avLst/>
@@ -7989,7 +7989,7 @@
         <p:spPr>
           <a:xfrm>
             <a:off x="5152680" y="1326600"/>
-            <a:ext cx="4426920" cy="1568160"/>
+            <a:ext cx="4426920" cy="1568520"/>
           </a:xfrm>
           <a:prstGeom prst="rect">
             <a:avLst/>
@@ -8018,8 +8018,8 @@
         </p:nvSpPr>
         <p:spPr>
           <a:xfrm>
-            <a:off x="5152680" y="3044160"/>
-            <a:ext cx="4426920" cy="1568160"/>
+            <a:off x="5152680" y="3044520"/>
+            <a:ext cx="4426920" cy="1568520"/>
           </a:xfrm>
           <a:prstGeom prst="rect">
             <a:avLst/>
@@ -8070,8 +8070,8 @@
         </p:nvSpPr>
         <p:spPr>
           <a:xfrm>
-            <a:off x="504000" y="225720"/>
-            <a:ext cx="9071640" cy="946800"/>
+            <a:off x="504000" y="226080"/>
+            <a:ext cx="9072000" cy="946440"/>
           </a:xfrm>
           <a:prstGeom prst="rect">
             <a:avLst/>
@@ -8102,7 +8102,7 @@
         <p:spPr>
           <a:xfrm>
             <a:off x="504000" y="1326600"/>
-            <a:ext cx="4426920" cy="1568160"/>
+            <a:ext cx="4426920" cy="1568520"/>
           </a:xfrm>
           <a:prstGeom prst="rect">
             <a:avLst/>
@@ -8132,7 +8132,7 @@
         <p:spPr>
           <a:xfrm>
             <a:off x="5152680" y="1326600"/>
-            <a:ext cx="4426920" cy="1568160"/>
+            <a:ext cx="4426920" cy="1568520"/>
           </a:xfrm>
           <a:prstGeom prst="rect">
             <a:avLst/>
@@ -8161,8 +8161,8 @@
         </p:nvSpPr>
         <p:spPr>
           <a:xfrm>
-            <a:off x="504000" y="3044160"/>
-            <a:ext cx="9071640" cy="1568160"/>
+            <a:off x="504000" y="3044520"/>
+            <a:ext cx="9072000" cy="1568520"/>
           </a:xfrm>
           <a:prstGeom prst="rect">
             <a:avLst/>
@@ -8214,7 +8214,7 @@
         <p:spPr>
           <a:xfrm>
             <a:off x="-58320" y="81000"/>
-            <a:ext cx="7791840" cy="1203120"/>
+            <a:ext cx="7791480" cy="1202760"/>
           </a:xfrm>
           <a:prstGeom prst="rect">
             <a:avLst/>
@@ -8490,7 +8490,7 @@
         <p:spPr>
           <a:xfrm>
             <a:off x="-58320" y="81000"/>
-            <a:ext cx="7791840" cy="1203120"/>
+            <a:ext cx="7791480" cy="1202760"/>
           </a:xfrm>
           <a:prstGeom prst="rect">
             <a:avLst/>
@@ -8766,7 +8766,7 @@
         <p:spPr>
           <a:xfrm>
             <a:off x="-58320" y="81000"/>
-            <a:ext cx="7791840" cy="1203120"/>
+            <a:ext cx="7791480" cy="1202760"/>
           </a:xfrm>
           <a:prstGeom prst="rect">
             <a:avLst/>
@@ -9042,7 +9042,7 @@
         <p:spPr>
           <a:xfrm>
             <a:off x="-58320" y="81000"/>
-            <a:ext cx="7791840" cy="1203120"/>
+            <a:ext cx="7791480" cy="1202760"/>
           </a:xfrm>
           <a:prstGeom prst="rect">
             <a:avLst/>
@@ -9064,8 +9064,8 @@
         </p:nvSpPr>
         <p:spPr>
           <a:xfrm>
-            <a:off x="504000" y="225720"/>
-            <a:ext cx="9071640" cy="946800"/>
+            <a:off x="504000" y="226080"/>
+            <a:ext cx="9072000" cy="946440"/>
           </a:xfrm>
           <a:prstGeom prst="rect">
             <a:avLst/>
@@ -9073,16 +9073,17 @@
         </p:spPr>
         <p:txBody>
           <a:bodyPr lIns="0" rIns="0" tIns="0" bIns="0" anchor="ctr">
-            <a:spAutoFit/>
-          </a:bodyPr>
-          <a:p>
-            <a:r>
-              <a:rPr b="0" lang="en-US" sz="1800" spc="-1" strike="noStrike">
+            <a:noAutofit/>
+          </a:bodyPr>
+          <a:p>
+            <a:pPr algn="ctr"/>
+            <a:r>
+              <a:rPr b="0" lang="en-US" sz="4400" spc="-1" strike="noStrike">
                 <a:latin typeface="Arial"/>
               </a:rPr>
               <a:t>Click to edit the title text format</a:t>
             </a:r>
-            <a:endParaRPr b="0" lang="en-US" sz="1800" spc="-1" strike="noStrike">
+            <a:endParaRPr b="0" lang="en-US" sz="4400" spc="-1" strike="noStrike">
               <a:latin typeface="Arial"/>
             </a:endParaRPr>
           </a:p>
@@ -9101,7 +9102,7 @@
         <p:spPr>
           <a:xfrm>
             <a:off x="504000" y="1326600"/>
-            <a:ext cx="9071640" cy="3288240"/>
+            <a:ext cx="9072000" cy="3288600"/>
           </a:xfrm>
           <a:prstGeom prst="rect">
             <a:avLst/>
@@ -9124,12 +9125,12 @@
               <a:buChar char=""/>
             </a:pPr>
             <a:r>
-              <a:rPr b="0" lang="en-US" sz="1800" spc="-1" strike="noStrike">
+              <a:rPr b="0" lang="en-US" sz="3200" spc="-1" strike="noStrike">
                 <a:latin typeface="Arial"/>
               </a:rPr>
               <a:t>Click to edit the outline text format</a:t>
             </a:r>
-            <a:endParaRPr b="0" lang="en-US" sz="1800" spc="-1" strike="noStrike">
+            <a:endParaRPr b="0" lang="en-US" sz="3200" spc="-1" strike="noStrike">
               <a:latin typeface="Arial"/>
             </a:endParaRPr>
           </a:p>
@@ -9146,12 +9147,12 @@
               <a:buChar char=""/>
             </a:pPr>
             <a:r>
-              <a:rPr b="0" lang="en-US" sz="1800" spc="-1" strike="noStrike">
+              <a:rPr b="0" lang="en-US" sz="2800" spc="-1" strike="noStrike">
                 <a:latin typeface="Arial"/>
               </a:rPr>
               <a:t>Second Outline Level</a:t>
             </a:r>
-            <a:endParaRPr b="0" lang="en-US" sz="1800" spc="-1" strike="noStrike">
+            <a:endParaRPr b="0" lang="en-US" sz="2800" spc="-1" strike="noStrike">
               <a:latin typeface="Arial"/>
             </a:endParaRPr>
           </a:p>
@@ -9168,12 +9169,12 @@
               <a:buChar char=""/>
             </a:pPr>
             <a:r>
-              <a:rPr b="0" lang="en-US" sz="1800" spc="-1" strike="noStrike">
+              <a:rPr b="0" lang="en-US" sz="2400" spc="-1" strike="noStrike">
                 <a:latin typeface="Arial"/>
               </a:rPr>
               <a:t>Third Outline Level</a:t>
             </a:r>
-            <a:endParaRPr b="0" lang="en-US" sz="1800" spc="-1" strike="noStrike">
+            <a:endParaRPr b="0" lang="en-US" sz="2400" spc="-1" strike="noStrike">
               <a:latin typeface="Arial"/>
             </a:endParaRPr>
           </a:p>
@@ -9190,12 +9191,12 @@
               <a:buChar char=""/>
             </a:pPr>
             <a:r>
-              <a:rPr b="0" lang="en-US" sz="1800" spc="-1" strike="noStrike">
+              <a:rPr b="0" lang="en-US" sz="2000" spc="-1" strike="noStrike">
                 <a:latin typeface="Arial"/>
               </a:rPr>
               <a:t>Fourth Outline Level</a:t>
             </a:r>
-            <a:endParaRPr b="0" lang="en-US" sz="1800" spc="-1" strike="noStrike">
+            <a:endParaRPr b="0" lang="en-US" sz="2000" spc="-1" strike="noStrike">
               <a:latin typeface="Arial"/>
             </a:endParaRPr>
           </a:p>
@@ -9212,12 +9213,12 @@
               <a:buChar char=""/>
             </a:pPr>
             <a:r>
-              <a:rPr b="0" lang="en-US" sz="1800" spc="-1" strike="noStrike">
+              <a:rPr b="0" lang="en-US" sz="2000" spc="-1" strike="noStrike">
                 <a:latin typeface="Arial"/>
               </a:rPr>
               <a:t>Fifth Outline Level</a:t>
             </a:r>
-            <a:endParaRPr b="0" lang="en-US" sz="1800" spc="-1" strike="noStrike">
+            <a:endParaRPr b="0" lang="en-US" sz="2000" spc="-1" strike="noStrike">
               <a:latin typeface="Arial"/>
             </a:endParaRPr>
           </a:p>
@@ -9234,12 +9235,12 @@
               <a:buChar char=""/>
             </a:pPr>
             <a:r>
-              <a:rPr b="0" lang="en-US" sz="1800" spc="-1" strike="noStrike">
+              <a:rPr b="0" lang="en-US" sz="2000" spc="-1" strike="noStrike">
                 <a:latin typeface="Arial"/>
               </a:rPr>
               <a:t>Sixth Outline Level</a:t>
             </a:r>
-            <a:endParaRPr b="0" lang="en-US" sz="1800" spc="-1" strike="noStrike">
+            <a:endParaRPr b="0" lang="en-US" sz="2000" spc="-1" strike="noStrike">
               <a:latin typeface="Arial"/>
             </a:endParaRPr>
           </a:p>
@@ -9256,12 +9257,12 @@
               <a:buChar char=""/>
             </a:pPr>
             <a:r>
-              <a:rPr b="0" lang="en-US" sz="1800" spc="-1" strike="noStrike">
+              <a:rPr b="0" lang="en-US" sz="2000" spc="-1" strike="noStrike">
                 <a:latin typeface="Arial"/>
               </a:rPr>
               <a:t>Seventh Outline Level</a:t>
             </a:r>
-            <a:endParaRPr b="0" lang="en-US" sz="1800" spc="-1" strike="noStrike">
+            <a:endParaRPr b="0" lang="en-US" sz="2000" spc="-1" strike="noStrike">
               <a:latin typeface="Arial"/>
             </a:endParaRPr>
           </a:p>
@@ -9317,7 +9318,7 @@
         <p:spPr>
           <a:xfrm>
             <a:off x="-58320" y="81000"/>
-            <a:ext cx="7791840" cy="1203120"/>
+            <a:ext cx="7791480" cy="1202760"/>
           </a:xfrm>
           <a:prstGeom prst="rect">
             <a:avLst/>
@@ -9593,7 +9594,7 @@
         <p:spPr>
           <a:xfrm>
             <a:off x="-58320" y="81000"/>
-            <a:ext cx="7791840" cy="1203120"/>
+            <a:ext cx="7791480" cy="1202760"/>
           </a:xfrm>
           <a:prstGeom prst="rect">
             <a:avLst/>
@@ -9615,8 +9616,8 @@
         </p:nvSpPr>
         <p:spPr>
           <a:xfrm>
-            <a:off x="504000" y="225720"/>
-            <a:ext cx="9071640" cy="946800"/>
+            <a:off x="504000" y="226080"/>
+            <a:ext cx="9072000" cy="946440"/>
           </a:xfrm>
           <a:prstGeom prst="rect">
             <a:avLst/>
@@ -9624,16 +9625,17 @@
         </p:spPr>
         <p:txBody>
           <a:bodyPr lIns="0" rIns="0" tIns="0" bIns="0" anchor="ctr">
-            <a:spAutoFit/>
-          </a:bodyPr>
-          <a:p>
-            <a:r>
-              <a:rPr b="0" lang="en-US" sz="1800" spc="-1" strike="noStrike">
+            <a:noAutofit/>
+          </a:bodyPr>
+          <a:p>
+            <a:pPr algn="ctr"/>
+            <a:r>
+              <a:rPr b="0" lang="en-US" sz="4400" spc="-1" strike="noStrike">
                 <a:latin typeface="Arial"/>
               </a:rPr>
               <a:t>Click to edit the title text format</a:t>
             </a:r>
-            <a:endParaRPr b="0" lang="en-US" sz="1800" spc="-1" strike="noStrike">
+            <a:endParaRPr b="0" lang="en-US" sz="4400" spc="-1" strike="noStrike">
               <a:latin typeface="Arial"/>
             </a:endParaRPr>
           </a:p>
@@ -9652,7 +9654,7 @@
         <p:spPr>
           <a:xfrm>
             <a:off x="504000" y="1326600"/>
-            <a:ext cx="9071640" cy="3288240"/>
+            <a:ext cx="9072000" cy="3288600"/>
           </a:xfrm>
           <a:prstGeom prst="rect">
             <a:avLst/>
@@ -9675,12 +9677,12 @@
               <a:buChar char=""/>
             </a:pPr>
             <a:r>
-              <a:rPr b="0" lang="en-US" sz="1800" spc="-1" strike="noStrike">
+              <a:rPr b="0" lang="en-US" sz="3200" spc="-1" strike="noStrike">
                 <a:latin typeface="Arial"/>
               </a:rPr>
               <a:t>Click to edit the outline text format</a:t>
             </a:r>
-            <a:endParaRPr b="0" lang="en-US" sz="1800" spc="-1" strike="noStrike">
+            <a:endParaRPr b="0" lang="en-US" sz="3200" spc="-1" strike="noStrike">
               <a:latin typeface="Arial"/>
             </a:endParaRPr>
           </a:p>
@@ -9697,12 +9699,12 @@
               <a:buChar char=""/>
             </a:pPr>
             <a:r>
-              <a:rPr b="0" lang="en-US" sz="1800" spc="-1" strike="noStrike">
+              <a:rPr b="0" lang="en-US" sz="2800" spc="-1" strike="noStrike">
                 <a:latin typeface="Arial"/>
               </a:rPr>
               <a:t>Second Outline Level</a:t>
             </a:r>
-            <a:endParaRPr b="0" lang="en-US" sz="1800" spc="-1" strike="noStrike">
+            <a:endParaRPr b="0" lang="en-US" sz="2800" spc="-1" strike="noStrike">
               <a:latin typeface="Arial"/>
             </a:endParaRPr>
           </a:p>
@@ -9719,12 +9721,12 @@
               <a:buChar char=""/>
             </a:pPr>
             <a:r>
-              <a:rPr b="0" lang="en-US" sz="1800" spc="-1" strike="noStrike">
+              <a:rPr b="0" lang="en-US" sz="2400" spc="-1" strike="noStrike">
                 <a:latin typeface="Arial"/>
               </a:rPr>
               <a:t>Third Outline Level</a:t>
             </a:r>
-            <a:endParaRPr b="0" lang="en-US" sz="1800" spc="-1" strike="noStrike">
+            <a:endParaRPr b="0" lang="en-US" sz="2400" spc="-1" strike="noStrike">
               <a:latin typeface="Arial"/>
             </a:endParaRPr>
           </a:p>
@@ -9741,12 +9743,12 @@
               <a:buChar char=""/>
             </a:pPr>
             <a:r>
-              <a:rPr b="0" lang="en-US" sz="1800" spc="-1" strike="noStrike">
+              <a:rPr b="0" lang="en-US" sz="2000" spc="-1" strike="noStrike">
                 <a:latin typeface="Arial"/>
               </a:rPr>
               <a:t>Fourth Outline Level</a:t>
             </a:r>
-            <a:endParaRPr b="0" lang="en-US" sz="1800" spc="-1" strike="noStrike">
+            <a:endParaRPr b="0" lang="en-US" sz="2000" spc="-1" strike="noStrike">
               <a:latin typeface="Arial"/>
             </a:endParaRPr>
           </a:p>
@@ -9763,12 +9765,12 @@
               <a:buChar char=""/>
             </a:pPr>
             <a:r>
-              <a:rPr b="0" lang="en-US" sz="1800" spc="-1" strike="noStrike">
+              <a:rPr b="0" lang="en-US" sz="2000" spc="-1" strike="noStrike">
                 <a:latin typeface="Arial"/>
               </a:rPr>
               <a:t>Fifth Outline Level</a:t>
             </a:r>
-            <a:endParaRPr b="0" lang="en-US" sz="1800" spc="-1" strike="noStrike">
+            <a:endParaRPr b="0" lang="en-US" sz="2000" spc="-1" strike="noStrike">
               <a:latin typeface="Arial"/>
             </a:endParaRPr>
           </a:p>
@@ -9785,12 +9787,12 @@
               <a:buChar char=""/>
             </a:pPr>
             <a:r>
-              <a:rPr b="0" lang="en-US" sz="1800" spc="-1" strike="noStrike">
+              <a:rPr b="0" lang="en-US" sz="2000" spc="-1" strike="noStrike">
                 <a:latin typeface="Arial"/>
               </a:rPr>
               <a:t>Sixth Outline Level</a:t>
             </a:r>
-            <a:endParaRPr b="0" lang="en-US" sz="1800" spc="-1" strike="noStrike">
+            <a:endParaRPr b="0" lang="en-US" sz="2000" spc="-1" strike="noStrike">
               <a:latin typeface="Arial"/>
             </a:endParaRPr>
           </a:p>
@@ -9807,12 +9809,12 @@
               <a:buChar char=""/>
             </a:pPr>
             <a:r>
-              <a:rPr b="0" lang="en-US" sz="1800" spc="-1" strike="noStrike">
+              <a:rPr b="0" lang="en-US" sz="2000" spc="-1" strike="noStrike">
                 <a:latin typeface="Arial"/>
               </a:rPr>
               <a:t>Seventh Outline Level</a:t>
             </a:r>
-            <a:endParaRPr b="0" lang="en-US" sz="1800" spc="-1" strike="noStrike">
+            <a:endParaRPr b="0" lang="en-US" sz="2000" spc="-1" strike="noStrike">
               <a:latin typeface="Arial"/>
             </a:endParaRPr>
           </a:p>
@@ -9864,7 +9866,7 @@
         <p:spPr>
           <a:xfrm>
             <a:off x="504000" y="140760"/>
-            <a:ext cx="7017480" cy="1086480"/>
+            <a:ext cx="7017120" cy="1086480"/>
           </a:xfrm>
           <a:prstGeom prst="rect">
             <a:avLst/>
@@ -9915,7 +9917,7 @@
         <p:spPr>
           <a:xfrm>
             <a:off x="504000" y="1368000"/>
-            <a:ext cx="9069480" cy="3285720"/>
+            <a:ext cx="9069120" cy="3285360"/>
           </a:xfrm>
           <a:prstGeom prst="rect">
             <a:avLst/>
@@ -9936,7 +9938,7 @@
             <a:normAutofit/>
           </a:bodyPr>
           <a:p>
-            <a:pPr marL="432000" indent="-321480">
+            <a:pPr marL="432000" indent="-321120">
               <a:lnSpc>
                 <a:spcPct val="100000"/>
               </a:lnSpc>
@@ -9965,7 +9967,7 @@
             </a:endParaRPr>
           </a:p>
           <a:p>
-            <a:pPr marL="432000" indent="-321480">
+            <a:pPr marL="432000" indent="-321120">
               <a:lnSpc>
                 <a:spcPct val="100000"/>
               </a:lnSpc>
@@ -9994,7 +9996,7 @@
             </a:endParaRPr>
           </a:p>
           <a:p>
-            <a:pPr marL="432000" indent="-321480">
+            <a:pPr marL="432000" indent="-321120">
               <a:lnSpc>
                 <a:spcPct val="100000"/>
               </a:lnSpc>
@@ -10023,7 +10025,7 @@
             </a:endParaRPr>
           </a:p>
           <a:p>
-            <a:pPr marL="432000" indent="-321480">
+            <a:pPr marL="432000" indent="-321120">
               <a:lnSpc>
                 <a:spcPct val="100000"/>
               </a:lnSpc>
@@ -10092,7 +10094,7 @@
         <p:spPr>
           <a:xfrm>
             <a:off x="504000" y="155880"/>
-            <a:ext cx="7176600" cy="1086480"/>
+            <a:ext cx="7176240" cy="1086480"/>
           </a:xfrm>
           <a:prstGeom prst="rect">
             <a:avLst/>
@@ -10143,7 +10145,7 @@
         <p:spPr>
           <a:xfrm>
             <a:off x="504000" y="1326600"/>
-            <a:ext cx="9071640" cy="3288240"/>
+            <a:ext cx="9071280" cy="3287880"/>
           </a:xfrm>
           <a:prstGeom prst="rect">
             <a:avLst/>
@@ -10164,7 +10166,7 @@
             <a:normAutofit fontScale="19000"/>
           </a:bodyPr>
           <a:p>
-            <a:pPr marL="432000" indent="-323640">
+            <a:pPr marL="432000" indent="-323280">
               <a:lnSpc>
                 <a:spcPct val="100000"/>
               </a:lnSpc>
@@ -10180,12 +10182,19 @@
             </a:pPr>
             <a:r>
               <a:rPr b="0" lang="en-US" sz="3200" spc="-1" strike="noStrike">
-                <a:latin typeface="Arial"/>
+                <a:solidFill>
+                  <a:srgbClr val="000000"/>
+                </a:solidFill>
+                <a:latin typeface="Arial"/>
+                <a:ea typeface="DejaVu Sans"/>
               </a:rPr>
               <a:t>Once you have estimated the </a:t>
             </a:r>
             <a:r>
               <a:rPr b="0" lang="en-US" sz="3200" spc="-1" strike="noStrike">
+                <a:solidFill>
+                  <a:srgbClr val="000000"/>
+                </a:solidFill>
                 <a:latin typeface="Arial"/>
                 <a:ea typeface="Arial"/>
               </a:rPr>
@@ -10193,6 +10202,9 @@
             </a:r>
             <a:r>
               <a:rPr b="0" lang="en-US" sz="3200" spc="-1" strike="noStrike" baseline="-33000">
+                <a:solidFill>
+                  <a:srgbClr val="000000"/>
+                </a:solidFill>
                 <a:latin typeface="Arial"/>
                 <a:ea typeface="Arial"/>
               </a:rPr>
@@ -10200,6 +10212,9 @@
             </a:r>
             <a:r>
               <a:rPr b="0" lang="en-US" sz="3200" spc="-1" strike="noStrike">
+                <a:solidFill>
+                  <a:srgbClr val="000000"/>
+                </a:solidFill>
                 <a:latin typeface="Arial"/>
                 <a:ea typeface="Arial"/>
               </a:rPr>
@@ -10207,6 +10222,9 @@
             </a:r>
             <a:r>
               <a:rPr b="0" lang="en-US" sz="3200" spc="-1" strike="noStrike" baseline="-33000">
+                <a:solidFill>
+                  <a:srgbClr val="000000"/>
+                </a:solidFill>
                 <a:latin typeface="Arial"/>
                 <a:ea typeface="Arial"/>
               </a:rPr>
@@ -10214,6 +10232,9 @@
             </a:r>
             <a:r>
               <a:rPr b="0" lang="en-US" sz="3200" spc="-1" strike="noStrike">
+                <a:solidFill>
+                  <a:srgbClr val="000000"/>
+                </a:solidFill>
                 <a:latin typeface="Arial"/>
                 <a:ea typeface="Arial"/>
               </a:rPr>
@@ -10221,6 +10242,9 @@
             </a:r>
             <a:r>
               <a:rPr b="0" lang="en-US" sz="3200" spc="-1" strike="noStrike" baseline="-33000">
+                <a:solidFill>
+                  <a:srgbClr val="000000"/>
+                </a:solidFill>
                 <a:latin typeface="Arial"/>
                 <a:ea typeface="Arial"/>
               </a:rPr>
@@ -10228,6 +10252,9 @@
             </a:r>
             <a:r>
               <a:rPr b="0" lang="en-US" sz="3200" spc="-1" strike="noStrike">
+                <a:solidFill>
+                  <a:srgbClr val="000000"/>
+                </a:solidFill>
                 <a:latin typeface="Arial"/>
                 <a:ea typeface="Arial"/>
               </a:rPr>
@@ -10238,7 +10265,7 @@
             </a:endParaRPr>
           </a:p>
           <a:p>
-            <a:pPr marL="432000" indent="-323640">
+            <a:pPr marL="432000" indent="-323280">
               <a:lnSpc>
                 <a:spcPct val="100000"/>
               </a:lnSpc>
@@ -10254,6 +10281,9 @@
             </a:pPr>
             <a:r>
               <a:rPr b="0" lang="en-US" sz="3200" spc="-1" strike="noStrike">
+                <a:solidFill>
+                  <a:srgbClr val="000000"/>
+                </a:solidFill>
                 <a:latin typeface="Arial"/>
                 <a:ea typeface="Arial"/>
               </a:rPr>
@@ -10261,6 +10291,9 @@
             </a:r>
             <a:r>
               <a:rPr b="0" lang="en-US" sz="3200" spc="-1" strike="noStrike" baseline="-33000">
+                <a:solidFill>
+                  <a:srgbClr val="000000"/>
+                </a:solidFill>
                 <a:latin typeface="Arial"/>
                 <a:ea typeface="Arial"/>
               </a:rPr>
@@ -10268,6 +10301,9 @@
             </a:r>
             <a:r>
               <a:rPr b="0" lang="en-US" sz="3200" spc="-1" strike="noStrike">
+                <a:solidFill>
+                  <a:srgbClr val="000000"/>
+                </a:solidFill>
                 <a:latin typeface="Arial"/>
                 <a:ea typeface="Arial"/>
               </a:rPr>
@@ -10275,6 +10311,9 @@
             </a:r>
             <a:r>
               <a:rPr b="0" lang="en-US" sz="3200" spc="-1" strike="noStrike" baseline="-33000">
+                <a:solidFill>
+                  <a:srgbClr val="000000"/>
+                </a:solidFill>
                 <a:latin typeface="Arial"/>
                 <a:ea typeface="Arial"/>
               </a:rPr>
@@ -10282,6 +10321,9 @@
             </a:r>
             <a:r>
               <a:rPr b="0" lang="en-US" sz="3200" spc="-1" strike="noStrike">
+                <a:solidFill>
+                  <a:srgbClr val="000000"/>
+                </a:solidFill>
                 <a:latin typeface="Arial"/>
                 <a:ea typeface="Arial"/>
               </a:rPr>
@@ -10292,7 +10334,7 @@
             </a:endParaRPr>
           </a:p>
           <a:p>
-            <a:pPr marL="432000" indent="-323640">
+            <a:pPr marL="432000" indent="-323280">
               <a:lnSpc>
                 <a:spcPct val="100000"/>
               </a:lnSpc>
@@ -10308,6 +10350,9 @@
             </a:pPr>
             <a:r>
               <a:rPr b="0" lang="en-US" sz="3200" spc="-1" strike="noStrike">
+                <a:solidFill>
+                  <a:srgbClr val="000000"/>
+                </a:solidFill>
                 <a:latin typeface="Arial"/>
                 <a:ea typeface="Arial"/>
               </a:rPr>
@@ -10315,6 +10360,9 @@
             </a:r>
             <a:r>
               <a:rPr b="0" lang="en-US" sz="3200" spc="-1" strike="noStrike" baseline="-33000">
+                <a:solidFill>
+                  <a:srgbClr val="000000"/>
+                </a:solidFill>
                 <a:latin typeface="Arial"/>
                 <a:ea typeface="Arial"/>
               </a:rPr>
@@ -10322,6 +10370,9 @@
             </a:r>
             <a:r>
               <a:rPr b="0" lang="en-US" sz="3200" spc="-1" strike="noStrike">
+                <a:solidFill>
+                  <a:srgbClr val="000000"/>
+                </a:solidFill>
                 <a:latin typeface="Arial"/>
                 <a:ea typeface="Arial"/>
               </a:rPr>
@@ -10332,7 +10383,7 @@
             </a:endParaRPr>
           </a:p>
           <a:p>
-            <a:pPr marL="432000" indent="-323640">
+            <a:pPr marL="432000" indent="-323280">
               <a:lnSpc>
                 <a:spcPct val="100000"/>
               </a:lnSpc>
@@ -10348,6 +10399,9 @@
             </a:pPr>
             <a:r>
               <a:rPr b="0" lang="en-US" sz="3200" spc="-1" strike="noStrike">
+                <a:solidFill>
+                  <a:srgbClr val="000000"/>
+                </a:solidFill>
                 <a:latin typeface="Arial"/>
                 <a:ea typeface="Arial"/>
               </a:rPr>
@@ -10398,7 +10452,7 @@
         <p:spPr>
           <a:xfrm>
             <a:off x="504000" y="155880"/>
-            <a:ext cx="7176600" cy="1086480"/>
+            <a:ext cx="7176240" cy="1086480"/>
           </a:xfrm>
           <a:prstGeom prst="rect">
             <a:avLst/>
@@ -10453,7 +10507,7 @@
         <p:spPr>
           <a:xfrm>
             <a:off x="2203200" y="1398240"/>
-            <a:ext cx="5796360" cy="4085640"/>
+            <a:ext cx="5796000" cy="4085280"/>
           </a:xfrm>
           <a:prstGeom prst="rect">
             <a:avLst/>
@@ -10502,7 +10556,7 @@
         <p:spPr>
           <a:xfrm>
             <a:off x="504000" y="155880"/>
-            <a:ext cx="7175880" cy="1086480"/>
+            <a:ext cx="7175520" cy="1086480"/>
           </a:xfrm>
           <a:prstGeom prst="rect">
             <a:avLst/>
@@ -10553,7 +10607,7 @@
         <p:spPr>
           <a:xfrm>
             <a:off x="504000" y="1326600"/>
-            <a:ext cx="9070920" cy="3287520"/>
+            <a:ext cx="9070560" cy="3287160"/>
           </a:xfrm>
           <a:prstGeom prst="rect">
             <a:avLst/>
@@ -10574,7 +10628,7 @@
             <a:normAutofit fontScale="73000"/>
           </a:bodyPr>
           <a:p>
-            <a:pPr marL="432000" indent="-322920">
+            <a:pPr marL="432000" indent="-322560">
               <a:lnSpc>
                 <a:spcPct val="100000"/>
               </a:lnSpc>
@@ -10603,7 +10657,7 @@
             </a:endParaRPr>
           </a:p>
           <a:p>
-            <a:pPr marL="432000" indent="-322920">
+            <a:pPr marL="432000" indent="-322560">
               <a:lnSpc>
                 <a:spcPct val="100000"/>
               </a:lnSpc>
@@ -10632,7 +10686,7 @@
             </a:endParaRPr>
           </a:p>
           <a:p>
-            <a:pPr marL="432000" indent="-322920">
+            <a:pPr marL="432000" indent="-322560">
               <a:lnSpc>
                 <a:spcPct val="100000"/>
               </a:lnSpc>
@@ -10721,7 +10775,7 @@
         <p:spPr>
           <a:xfrm>
             <a:off x="504000" y="155880"/>
-            <a:ext cx="7176600" cy="1086480"/>
+            <a:ext cx="7176240" cy="1086480"/>
           </a:xfrm>
           <a:prstGeom prst="rect">
             <a:avLst/>
@@ -10772,7 +10826,7 @@
         <p:spPr>
           <a:xfrm>
             <a:off x="504000" y="1326600"/>
-            <a:ext cx="9071640" cy="3288240"/>
+            <a:ext cx="9071280" cy="3287880"/>
           </a:xfrm>
           <a:prstGeom prst="rect">
             <a:avLst/>
@@ -10793,7 +10847,7 @@
             <a:normAutofit fontScale="31000"/>
           </a:bodyPr>
           <a:p>
-            <a:pPr marL="432000" indent="-323640">
+            <a:pPr marL="432000" indent="-323280">
               <a:lnSpc>
                 <a:spcPct val="100000"/>
               </a:lnSpc>
@@ -10809,7 +10863,11 @@
             </a:pPr>
             <a:r>
               <a:rPr b="0" lang="en-US" sz="3200" spc="-1" strike="noStrike">
-                <a:latin typeface="Arial"/>
+                <a:solidFill>
+                  <a:srgbClr val="000000"/>
+                </a:solidFill>
+                <a:latin typeface="Arial"/>
+                <a:ea typeface="DejaVu Sans"/>
               </a:rPr>
               <a:t>So the validity of this method is premised on the idea that the model fitted to the data accurately describes the spreading process</a:t>
             </a:r>
@@ -10818,7 +10876,7 @@
             </a:endParaRPr>
           </a:p>
           <a:p>
-            <a:pPr marL="432000" indent="-323640">
+            <a:pPr marL="432000" indent="-323280">
               <a:lnSpc>
                 <a:spcPct val="100000"/>
               </a:lnSpc>
@@ -10834,7 +10892,11 @@
             </a:pPr>
             <a:r>
               <a:rPr b="0" lang="en-US" sz="3200" spc="-1" strike="noStrike">
-                <a:latin typeface="Arial"/>
+                <a:solidFill>
+                  <a:srgbClr val="000000"/>
+                </a:solidFill>
+                <a:latin typeface="Arial"/>
+                <a:ea typeface="DejaVu Sans"/>
               </a:rPr>
               <a:t>In general, it’s difficult to be confident that this is the case and, in the case of the model used by Flaxman et al. specifically, it’s clearly false for reasons we’ll examine shortly</a:t>
             </a:r>
@@ -10843,7 +10905,7 @@
             </a:endParaRPr>
           </a:p>
           <a:p>
-            <a:pPr marL="432000" indent="-323640">
+            <a:pPr marL="432000" indent="-323280">
               <a:lnSpc>
                 <a:spcPct val="100000"/>
               </a:lnSpc>
@@ -10859,19 +10921,31 @@
             </a:pPr>
             <a:r>
               <a:rPr b="0" lang="en-US" sz="3200" spc="-1" strike="noStrike">
-                <a:latin typeface="Arial"/>
+                <a:solidFill>
+                  <a:srgbClr val="000000"/>
+                </a:solidFill>
+                <a:latin typeface="Arial"/>
+                <a:ea typeface="DejaVu Sans"/>
               </a:rPr>
               <a:t>But for the moment it suffices to say that the model rests on the very strong assumption that transmission is </a:t>
             </a:r>
             <a:r>
               <a:rPr b="0" i="1" lang="en-US" sz="3200" spc="-1" strike="noStrike">
-                <a:latin typeface="Arial"/>
+                <a:solidFill>
+                  <a:srgbClr val="000000"/>
+                </a:solidFill>
+                <a:latin typeface="Arial"/>
+                <a:ea typeface="DejaVu Sans"/>
               </a:rPr>
               <a:t>only </a:t>
             </a:r>
             <a:r>
               <a:rPr b="0" lang="en-US" sz="3200" spc="-1" strike="noStrike">
-                <a:latin typeface="Arial"/>
+                <a:solidFill>
+                  <a:srgbClr val="000000"/>
+                </a:solidFill>
+                <a:latin typeface="Arial"/>
+                <a:ea typeface="DejaVu Sans"/>
               </a:rPr>
               <a:t>affected by NPIs</a:t>
             </a:r>
@@ -10880,7 +10954,7 @@
             </a:endParaRPr>
           </a:p>
           <a:p>
-            <a:pPr marL="432000" indent="-323640">
+            <a:pPr marL="432000" indent="-323280">
               <a:lnSpc>
                 <a:spcPct val="100000"/>
               </a:lnSpc>
@@ -10896,9 +10970,13 @@
             </a:pPr>
             <a:r>
               <a:rPr b="0" lang="en-US" sz="3200" spc="-1" strike="noStrike">
-                <a:latin typeface="Arial"/>
-              </a:rPr>
-              <a:t>In particular, voluntary changes of behavior are supposed to have any effect on it, nor is population structure (i. e. the model assumes homogenous population mixing)</a:t>
+                <a:solidFill>
+                  <a:srgbClr val="000000"/>
+                </a:solidFill>
+                <a:latin typeface="Arial"/>
+                <a:ea typeface="DejaVu Sans"/>
+              </a:rPr>
+              <a:t>In particular, voluntary changes of behavior are supposed not to have any effect on it, nor is population structure (i. e. the model assumes homogenous population mixing)</a:t>
             </a:r>
             <a:endParaRPr b="0" lang="en-US" sz="3200" spc="-1" strike="noStrike">
               <a:latin typeface="Arial"/>
@@ -10945,7 +11023,7 @@
         <p:spPr>
           <a:xfrm>
             <a:off x="504000" y="155880"/>
-            <a:ext cx="7176600" cy="1086480"/>
+            <a:ext cx="7176240" cy="1086480"/>
           </a:xfrm>
           <a:prstGeom prst="rect">
             <a:avLst/>
@@ -10996,7 +11074,7 @@
         <p:spPr>
           <a:xfrm>
             <a:off x="504000" y="1326600"/>
-            <a:ext cx="9071640" cy="3288240"/>
+            <a:ext cx="9071280" cy="3287880"/>
           </a:xfrm>
           <a:prstGeom prst="rect">
             <a:avLst/>
@@ -11017,7 +11095,7 @@
             <a:normAutofit fontScale="43000"/>
           </a:bodyPr>
           <a:p>
-            <a:pPr marL="432000" indent="-323640">
+            <a:pPr marL="432000" indent="-323280">
               <a:lnSpc>
                 <a:spcPct val="100000"/>
               </a:lnSpc>
@@ -11033,7 +11111,11 @@
             </a:pPr>
             <a:r>
               <a:rPr b="0" lang="en-US" sz="2800" spc="-1" strike="noStrike">
-                <a:latin typeface="Arial"/>
+                <a:solidFill>
+                  <a:srgbClr val="000000"/>
+                </a:solidFill>
+                <a:latin typeface="Arial"/>
+                <a:ea typeface="DejaVu Sans"/>
               </a:rPr>
               <a:t>But what if that’s not true and other factors beside NPIs have a large effect on transmission?</a:t>
             </a:r>
@@ -11042,7 +11124,7 @@
             </a:endParaRPr>
           </a:p>
           <a:p>
-            <a:pPr marL="432000" indent="-323640">
+            <a:pPr marL="432000" indent="-323280">
               <a:lnSpc>
                 <a:spcPct val="100000"/>
               </a:lnSpc>
@@ -11058,7 +11140,11 @@
             </a:pPr>
             <a:r>
               <a:rPr b="0" lang="en-US" sz="2800" spc="-1" strike="noStrike">
-                <a:latin typeface="Arial"/>
+                <a:solidFill>
+                  <a:srgbClr val="000000"/>
+                </a:solidFill>
+                <a:latin typeface="Arial"/>
+                <a:ea typeface="DejaVu Sans"/>
               </a:rPr>
               <a:t>One way to see that the method is not reliable in this case is to use simulations</a:t>
             </a:r>
@@ -11067,7 +11153,7 @@
             </a:endParaRPr>
           </a:p>
           <a:p>
-            <a:pPr marL="432000" indent="-323640">
+            <a:pPr marL="432000" indent="-323280">
               <a:lnSpc>
                 <a:spcPct val="100000"/>
               </a:lnSpc>
@@ -11083,7 +11169,11 @@
             </a:pPr>
             <a:r>
               <a:rPr b="0" lang="en-US" sz="2800" spc="-1" strike="noStrike">
-                <a:latin typeface="Arial"/>
+                <a:solidFill>
+                  <a:srgbClr val="000000"/>
+                </a:solidFill>
+                <a:latin typeface="Arial"/>
+                <a:ea typeface="DejaVu Sans"/>
               </a:rPr>
               <a:t>The idea is to generate a fake epidemic with a model in which other factors had a large effect and fit the model used by Flaxman et al. to those simulated data to see what it concludes</a:t>
             </a:r>
@@ -11092,7 +11182,7 @@
             </a:endParaRPr>
           </a:p>
           <a:p>
-            <a:pPr marL="432000" indent="-323640">
+            <a:pPr marL="432000" indent="-323280">
               <a:lnSpc>
                 <a:spcPct val="100000"/>
               </a:lnSpc>
@@ -11108,7 +11198,11 @@
             </a:pPr>
             <a:r>
               <a:rPr b="0" lang="en-US" sz="2800" spc="-1" strike="noStrike">
-                <a:latin typeface="Arial"/>
+                <a:solidFill>
+                  <a:srgbClr val="000000"/>
+                </a:solidFill>
+                <a:latin typeface="Arial"/>
+                <a:ea typeface="DejaVu Sans"/>
               </a:rPr>
               <a:t>Since we generated the data ourselves, unlike with real data, we know exactly what the data generating process was, so we’ll be able to tell if the conclusions that Flaxman et al.’s model draws from them are correct</a:t>
             </a:r>
@@ -11157,7 +11251,7 @@
         <p:spPr>
           <a:xfrm>
             <a:off x="504000" y="155880"/>
-            <a:ext cx="7176600" cy="1086480"/>
+            <a:ext cx="7176240" cy="1086480"/>
           </a:xfrm>
           <a:prstGeom prst="rect">
             <a:avLst/>
@@ -11208,7 +11302,7 @@
         <p:spPr>
           <a:xfrm>
             <a:off x="504000" y="1326600"/>
-            <a:ext cx="9071640" cy="3288240"/>
+            <a:ext cx="9071280" cy="3287880"/>
           </a:xfrm>
           <a:prstGeom prst="rect">
             <a:avLst/>
@@ -11239,7 +11333,11 @@
             </a:pPr>
             <a:r>
               <a:rPr b="0" lang="en-US" sz="3200" spc="-1" strike="noStrike">
-                <a:latin typeface="Arial"/>
+                <a:solidFill>
+                  <a:srgbClr val="000000"/>
+                </a:solidFill>
+                <a:latin typeface="Arial"/>
+                <a:ea typeface="DejaVu Sans"/>
               </a:rPr>
               <a:t>Simulated epidemic in which NPIs had no effect</a:t>
             </a:r>
@@ -11262,7 +11360,7 @@
         <p:spPr>
           <a:xfrm>
             <a:off x="265680" y="2415960"/>
-            <a:ext cx="9518040" cy="2521440"/>
+            <a:ext cx="9517680" cy="2521080"/>
           </a:xfrm>
           <a:prstGeom prst="rect">
             <a:avLst/>
@@ -11311,7 +11409,7 @@
         <p:spPr>
           <a:xfrm>
             <a:off x="504000" y="155880"/>
-            <a:ext cx="7176600" cy="1086480"/>
+            <a:ext cx="7176240" cy="1086480"/>
           </a:xfrm>
           <a:prstGeom prst="rect">
             <a:avLst/>
@@ -11362,7 +11460,7 @@
         <p:spPr>
           <a:xfrm>
             <a:off x="504000" y="1326600"/>
-            <a:ext cx="9071640" cy="3288240"/>
+            <a:ext cx="9071280" cy="3287880"/>
           </a:xfrm>
           <a:prstGeom prst="rect">
             <a:avLst/>
@@ -11393,7 +11491,11 @@
             </a:pPr>
             <a:r>
               <a:rPr b="0" lang="en-US" sz="3200" spc="-1" strike="noStrike">
-                <a:latin typeface="Arial"/>
+                <a:solidFill>
+                  <a:srgbClr val="000000"/>
+                </a:solidFill>
+                <a:latin typeface="Arial"/>
+                <a:ea typeface="DejaVu Sans"/>
               </a:rPr>
               <a:t>The result of fitting Flaxman et al.’s model to those data</a:t>
             </a:r>
@@ -11416,7 +11518,7 @@
         <p:spPr>
           <a:xfrm>
             <a:off x="201600" y="2680560"/>
-            <a:ext cx="9726120" cy="2576880"/>
+            <a:ext cx="9725760" cy="2576520"/>
           </a:xfrm>
           <a:prstGeom prst="rect">
             <a:avLst/>
@@ -11465,7 +11567,7 @@
         <p:spPr>
           <a:xfrm>
             <a:off x="504000" y="155880"/>
-            <a:ext cx="7176600" cy="1086480"/>
+            <a:ext cx="7176240" cy="1086480"/>
           </a:xfrm>
           <a:prstGeom prst="rect">
             <a:avLst/>
@@ -11516,7 +11618,7 @@
         <p:spPr>
           <a:xfrm>
             <a:off x="504000" y="1326600"/>
-            <a:ext cx="9071640" cy="3288240"/>
+            <a:ext cx="9071280" cy="3287880"/>
           </a:xfrm>
           <a:prstGeom prst="rect">
             <a:avLst/>
@@ -11537,7 +11639,7 @@
             <a:normAutofit fontScale="1000"/>
           </a:bodyPr>
           <a:p>
-            <a:pPr marL="432000" indent="-323640">
+            <a:pPr marL="432000" indent="-323280">
               <a:lnSpc>
                 <a:spcPct val="100000"/>
               </a:lnSpc>
@@ -11553,7 +11655,11 @@
             </a:pPr>
             <a:r>
               <a:rPr b="0" lang="en-US" sz="7200" spc="-1" strike="noStrike">
-                <a:latin typeface="Arial"/>
+                <a:solidFill>
+                  <a:srgbClr val="000000"/>
+                </a:solidFill>
+                <a:latin typeface="Arial"/>
+                <a:ea typeface="DejaVu Sans"/>
               </a:rPr>
               <a:t>So even though the NPIs had no effect on transmission, we know because those are simulated data that we generated ourselves, if you fit the model used by Flaxman et al. to them it concludes that they had a massive effect, especially the last one</a:t>
             </a:r>
@@ -11562,7 +11668,7 @@
             </a:endParaRPr>
           </a:p>
           <a:p>
-            <a:pPr marL="432000" indent="-323640">
+            <a:pPr marL="432000" indent="-323280">
               <a:lnSpc>
                 <a:spcPct val="100000"/>
               </a:lnSpc>
@@ -11578,6 +11684,9 @@
             </a:pPr>
             <a:r>
               <a:rPr b="0" lang="en-US" sz="7200" spc="-1" strike="noStrike">
+                <a:solidFill>
+                  <a:srgbClr val="000000"/>
+                </a:solidFill>
                 <a:latin typeface="Arial"/>
                 <a:ea typeface="PingFang SC"/>
               </a:rPr>
@@ -11585,6 +11694,9 @@
             </a:r>
             <a:r>
               <a:rPr b="0" i="1" lang="en-US" sz="7200" spc="-1" strike="noStrike">
+                <a:solidFill>
+                  <a:srgbClr val="000000"/>
+                </a:solidFill>
                 <a:latin typeface="Arial"/>
                 <a:ea typeface="PingFang SC"/>
               </a:rPr>
@@ -11592,6 +11704,9 @@
             </a:r>
             <a:r>
               <a:rPr b="0" lang="en-US" sz="7200" spc="-1" strike="noStrike">
+                <a:solidFill>
+                  <a:srgbClr val="000000"/>
+                </a:solidFill>
                 <a:latin typeface="Arial"/>
                 <a:ea typeface="PingFang SC"/>
               </a:rPr>
@@ -11602,7 +11717,7 @@
             </a:endParaRPr>
           </a:p>
           <a:p>
-            <a:pPr marL="432000" indent="-323640">
+            <a:pPr marL="432000" indent="-323280">
               <a:lnSpc>
                 <a:spcPct val="100000"/>
               </a:lnSpc>
@@ -11618,6 +11733,9 @@
             </a:pPr>
             <a:r>
               <a:rPr b="0" lang="en-US" sz="7200" spc="-1" strike="noStrike">
+                <a:solidFill>
+                  <a:srgbClr val="000000"/>
+                </a:solidFill>
                 <a:latin typeface="Arial"/>
                 <a:ea typeface="PingFang SC"/>
               </a:rPr>
@@ -11628,7 +11746,7 @@
             </a:endParaRPr>
           </a:p>
           <a:p>
-            <a:pPr marL="432000" indent="-323640">
+            <a:pPr marL="432000" indent="-323280">
               <a:lnSpc>
                 <a:spcPct val="100000"/>
               </a:lnSpc>
@@ -11644,6 +11762,9 @@
             </a:pPr>
             <a:r>
               <a:rPr b="0" lang="en-US" sz="7200" spc="-1" strike="noStrike">
+                <a:solidFill>
+                  <a:srgbClr val="000000"/>
+                </a:solidFill>
                 <a:latin typeface="Arial"/>
                 <a:ea typeface="PingFang SC"/>
               </a:rPr>
@@ -11694,7 +11815,7 @@
         <p:spPr>
           <a:xfrm>
             <a:off x="504000" y="155880"/>
-            <a:ext cx="7176600" cy="1086480"/>
+            <a:ext cx="7176240" cy="1086480"/>
           </a:xfrm>
           <a:prstGeom prst="rect">
             <a:avLst/>
@@ -11745,7 +11866,7 @@
         <p:spPr>
           <a:xfrm>
             <a:off x="504000" y="1326600"/>
-            <a:ext cx="9071640" cy="3288240"/>
+            <a:ext cx="9071280" cy="3287880"/>
           </a:xfrm>
           <a:prstGeom prst="rect">
             <a:avLst/>
@@ -11766,7 +11887,7 @@
             <a:normAutofit fontScale="42000"/>
           </a:bodyPr>
           <a:p>
-            <a:pPr marL="432000" indent="-323640">
+            <a:pPr marL="432000" indent="-323280">
               <a:lnSpc>
                 <a:spcPct val="100000"/>
               </a:lnSpc>
@@ -11782,7 +11903,11 @@
             </a:pPr>
             <a:r>
               <a:rPr b="0" lang="en-US" sz="3200" spc="-1" strike="noStrike">
-                <a:latin typeface="Arial"/>
+                <a:solidFill>
+                  <a:srgbClr val="000000"/>
+                </a:solidFill>
+                <a:latin typeface="Arial"/>
+                <a:ea typeface="DejaVu Sans"/>
               </a:rPr>
               <a:t>We have seen </a:t>
             </a:r>
@@ -11801,7 +11926,7 @@
             </a:endParaRPr>
           </a:p>
           <a:p>
-            <a:pPr marL="432000" indent="-323640">
+            <a:pPr marL="432000" indent="-323280">
               <a:lnSpc>
                 <a:spcPct val="100000"/>
               </a:lnSpc>
@@ -11830,7 +11955,7 @@
             </a:endParaRPr>
           </a:p>
           <a:p>
-            <a:pPr marL="432000" indent="-323640">
+            <a:pPr marL="432000" indent="-323280">
               <a:lnSpc>
                 <a:spcPct val="100000"/>
               </a:lnSpc>
@@ -11899,7 +12024,7 @@
         <p:spPr>
           <a:xfrm>
             <a:off x="504000" y="155880"/>
-            <a:ext cx="7176600" cy="1086480"/>
+            <a:ext cx="7176240" cy="1086480"/>
           </a:xfrm>
           <a:prstGeom prst="rect">
             <a:avLst/>
@@ -11950,7 +12075,7 @@
         <p:spPr>
           <a:xfrm>
             <a:off x="504000" y="1326600"/>
-            <a:ext cx="9071640" cy="3288240"/>
+            <a:ext cx="9071280" cy="3287880"/>
           </a:xfrm>
           <a:prstGeom prst="rect">
             <a:avLst/>
@@ -11981,7 +12106,11 @@
             </a:pPr>
             <a:r>
               <a:rPr b="0" lang="en-US" sz="3200" spc="-1" strike="noStrike">
-                <a:latin typeface="Arial"/>
+                <a:solidFill>
+                  <a:srgbClr val="000000"/>
+                </a:solidFill>
+                <a:latin typeface="Arial"/>
+                <a:ea typeface="DejaVu Sans"/>
               </a:rPr>
               <a:t>Example of fitting real data to this model</a:t>
             </a:r>
@@ -12004,7 +12133,7 @@
         <p:spPr>
           <a:xfrm>
             <a:off x="165600" y="2392560"/>
-            <a:ext cx="9760680" cy="2585880"/>
+            <a:ext cx="9760320" cy="2585520"/>
           </a:xfrm>
           <a:prstGeom prst="rect">
             <a:avLst/>
@@ -12053,7 +12182,7 @@
         <p:spPr>
           <a:xfrm>
             <a:off x="504000" y="140760"/>
-            <a:ext cx="7017480" cy="1086480"/>
+            <a:ext cx="7017120" cy="1086480"/>
           </a:xfrm>
           <a:prstGeom prst="rect">
             <a:avLst/>
@@ -12104,7 +12233,7 @@
         <p:spPr>
           <a:xfrm>
             <a:off x="504000" y="1368000"/>
-            <a:ext cx="9069480" cy="3285720"/>
+            <a:ext cx="9069120" cy="3285360"/>
           </a:xfrm>
           <a:prstGeom prst="rect">
             <a:avLst/>
@@ -12148,7 +12277,7 @@
             </a:endParaRPr>
           </a:p>
           <a:p>
-            <a:pPr marL="432000" indent="-321480">
+            <a:pPr marL="432000" indent="-321120">
               <a:lnSpc>
                 <a:spcPct val="100000"/>
               </a:lnSpc>
@@ -12177,7 +12306,7 @@
             </a:endParaRPr>
           </a:p>
           <a:p>
-            <a:pPr marL="432000" indent="-321480">
+            <a:pPr marL="432000" indent="-321120">
               <a:lnSpc>
                 <a:spcPct val="100000"/>
               </a:lnSpc>
@@ -12206,7 +12335,7 @@
             </a:endParaRPr>
           </a:p>
           <a:p>
-            <a:pPr marL="432000" indent="-321480">
+            <a:pPr marL="432000" indent="-321120">
               <a:lnSpc>
                 <a:spcPct val="100000"/>
               </a:lnSpc>
@@ -12235,7 +12364,7 @@
             </a:endParaRPr>
           </a:p>
           <a:p>
-            <a:pPr marL="432000" indent="-321480">
+            <a:pPr marL="432000" indent="-321120">
               <a:lnSpc>
                 <a:spcPct val="100000"/>
               </a:lnSpc>
@@ -12304,7 +12433,7 @@
         <p:spPr>
           <a:xfrm>
             <a:off x="504000" y="147600"/>
-            <a:ext cx="7176600" cy="1086480"/>
+            <a:ext cx="7176240" cy="1086480"/>
           </a:xfrm>
           <a:prstGeom prst="rect">
             <a:avLst/>
@@ -12355,7 +12484,7 @@
         <p:spPr>
           <a:xfrm>
             <a:off x="504000" y="1326600"/>
-            <a:ext cx="9071640" cy="3288240"/>
+            <a:ext cx="9071280" cy="3287880"/>
           </a:xfrm>
           <a:prstGeom prst="rect">
             <a:avLst/>
@@ -12376,7 +12505,7 @@
             <a:normAutofit fontScale="53000"/>
           </a:bodyPr>
           <a:p>
-            <a:pPr marL="432000" indent="-323640">
+            <a:pPr marL="432000" indent="-323280">
               <a:lnSpc>
                 <a:spcPct val="100000"/>
               </a:lnSpc>
@@ -12392,7 +12521,11 @@
             </a:pPr>
             <a:r>
               <a:rPr b="0" lang="en-US" sz="3200" spc="-1" strike="noStrike">
-                <a:latin typeface="Arial"/>
+                <a:solidFill>
+                  <a:srgbClr val="000000"/>
+                </a:solidFill>
+                <a:latin typeface="Arial"/>
+                <a:ea typeface="DejaVu Sans"/>
               </a:rPr>
               <a:t>So we see that, when you use this approach, your conclusions may be completely false if the model you use doesn’t correctly describe the spreading process</a:t>
             </a:r>
@@ -12401,7 +12534,7 @@
             </a:endParaRPr>
           </a:p>
           <a:p>
-            <a:pPr marL="432000" indent="-323640">
+            <a:pPr marL="432000" indent="-323280">
               <a:lnSpc>
                 <a:spcPct val="100000"/>
               </a:lnSpc>
@@ -12417,7 +12550,11 @@
             </a:pPr>
             <a:r>
               <a:rPr b="0" lang="en-US" sz="3200" spc="-1" strike="noStrike">
-                <a:latin typeface="Arial"/>
+                <a:solidFill>
+                  <a:srgbClr val="000000"/>
+                </a:solidFill>
+                <a:latin typeface="Arial"/>
+                <a:ea typeface="DejaVu Sans"/>
               </a:rPr>
               <a:t>In the case of the model used by Flaxman et al. (2020), we actually have very good reasons to think it doesn’t</a:t>
             </a:r>
@@ -12426,7 +12563,7 @@
             </a:endParaRPr>
           </a:p>
           <a:p>
-            <a:pPr marL="432000" indent="-323640">
+            <a:pPr marL="432000" indent="-323280">
               <a:lnSpc>
                 <a:spcPct val="100000"/>
               </a:lnSpc>
@@ -12442,7 +12579,11 @@
             </a:pPr>
             <a:r>
               <a:rPr b="0" lang="en-US" sz="3200" spc="-1" strike="noStrike">
-                <a:latin typeface="Arial"/>
+                <a:solidFill>
+                  <a:srgbClr val="000000"/>
+                </a:solidFill>
+                <a:latin typeface="Arial"/>
+                <a:ea typeface="DejaVu Sans"/>
               </a:rPr>
               <a:t>To see why, we must look at the results of fitting the model to the data to estimate the effects of the NPIs</a:t>
             </a:r>
@@ -12491,7 +12632,7 @@
         <p:spPr>
           <a:xfrm>
             <a:off x="504000" y="147600"/>
-            <a:ext cx="7176600" cy="1086480"/>
+            <a:ext cx="7176240" cy="1086480"/>
           </a:xfrm>
           <a:prstGeom prst="rect">
             <a:avLst/>
@@ -12546,7 +12687,7 @@
         <p:spPr>
           <a:xfrm>
             <a:off x="1463400" y="1506240"/>
-            <a:ext cx="7575120" cy="3787560"/>
+            <a:ext cx="7574760" cy="3787200"/>
           </a:xfrm>
           <a:prstGeom prst="rect">
             <a:avLst/>
@@ -12595,7 +12736,7 @@
         <p:spPr>
           <a:xfrm>
             <a:off x="504000" y="147600"/>
-            <a:ext cx="7176600" cy="1086480"/>
+            <a:ext cx="7176240" cy="1086480"/>
           </a:xfrm>
           <a:prstGeom prst="rect">
             <a:avLst/>
@@ -12650,7 +12791,7 @@
         <p:spPr>
           <a:xfrm>
             <a:off x="741600" y="1424160"/>
-            <a:ext cx="8080200" cy="4039920"/>
+            <a:ext cx="8079840" cy="4039560"/>
           </a:xfrm>
           <a:prstGeom prst="rect">
             <a:avLst/>
@@ -12699,7 +12840,7 @@
         <p:spPr>
           <a:xfrm>
             <a:off x="504000" y="155880"/>
-            <a:ext cx="7176600" cy="1086480"/>
+            <a:ext cx="7176240" cy="1086480"/>
           </a:xfrm>
           <a:prstGeom prst="rect">
             <a:avLst/>
@@ -12750,7 +12891,7 @@
         <p:spPr>
           <a:xfrm>
             <a:off x="504000" y="1326600"/>
-            <a:ext cx="9071640" cy="3288240"/>
+            <a:ext cx="9071280" cy="3287880"/>
           </a:xfrm>
           <a:prstGeom prst="rect">
             <a:avLst/>
@@ -12771,7 +12912,7 @@
             <a:normAutofit fontScale="88000"/>
           </a:bodyPr>
           <a:p>
-            <a:pPr marL="432000" indent="-323640">
+            <a:pPr marL="432000" indent="-323280">
               <a:lnSpc>
                 <a:spcPct val="100000"/>
               </a:lnSpc>
@@ -12787,7 +12928,11 @@
             </a:pPr>
             <a:r>
               <a:rPr b="0" lang="en-US" sz="3200" spc="-1" strike="noStrike">
-                <a:latin typeface="Arial"/>
+                <a:solidFill>
+                  <a:srgbClr val="000000"/>
+                </a:solidFill>
+                <a:latin typeface="Arial"/>
+                <a:ea typeface="DejaVu Sans"/>
               </a:rPr>
               <a:t>So when you fit the model to the data, you find that 1) NPIs collectively had a very large effect on transmission in every country and 2) only full lockdowns had a large effect on transmission</a:t>
             </a:r>
@@ -12796,7 +12941,7 @@
             </a:endParaRPr>
           </a:p>
           <a:p>
-            <a:pPr marL="432000" indent="-323640">
+            <a:pPr marL="432000" indent="-323280">
               <a:lnSpc>
                 <a:spcPct val="100000"/>
               </a:lnSpc>
@@ -12812,7 +12957,11 @@
             </a:pPr>
             <a:r>
               <a:rPr b="0" lang="en-US" sz="3200" spc="-1" strike="noStrike">
-                <a:latin typeface="Arial"/>
+                <a:solidFill>
+                  <a:srgbClr val="000000"/>
+                </a:solidFill>
+                <a:latin typeface="Arial"/>
+                <a:ea typeface="DejaVu Sans"/>
               </a:rPr>
               <a:t>But those 2 findings are at odd with each other</a:t>
             </a:r>
@@ -12821,7 +12970,7 @@
             </a:endParaRPr>
           </a:p>
           <a:p>
-            <a:pPr marL="432000" indent="-323640">
+            <a:pPr marL="432000" indent="-323280">
               <a:lnSpc>
                 <a:spcPct val="100000"/>
               </a:lnSpc>
@@ -12837,7 +12986,11 @@
             </a:pPr>
             <a:r>
               <a:rPr b="0" lang="en-US" sz="3200" spc="-1" strike="noStrike">
-                <a:latin typeface="Arial"/>
+                <a:solidFill>
+                  <a:srgbClr val="000000"/>
+                </a:solidFill>
+                <a:latin typeface="Arial"/>
+                <a:ea typeface="DejaVu Sans"/>
               </a:rPr>
               <a:t>Indeed, one of the countries they looked at is Sweden, where there was no lockdown!</a:t>
             </a:r>
@@ -12886,7 +13039,7 @@
         <p:spPr>
           <a:xfrm>
             <a:off x="504000" y="155880"/>
-            <a:ext cx="7176600" cy="1086480"/>
+            <a:ext cx="7176240" cy="1086480"/>
           </a:xfrm>
           <a:prstGeom prst="rect">
             <a:avLst/>
@@ -12937,7 +13090,7 @@
         <p:spPr>
           <a:xfrm>
             <a:off x="504000" y="1326600"/>
-            <a:ext cx="9071640" cy="3288240"/>
+            <a:ext cx="9071280" cy="3287880"/>
           </a:xfrm>
           <a:prstGeom prst="rect">
             <a:avLst/>
@@ -12958,7 +13111,7 @@
             <a:normAutofit fontScale="53000"/>
           </a:bodyPr>
           <a:p>
-            <a:pPr marL="432000" indent="-323640">
+            <a:pPr marL="432000" indent="-323280">
               <a:lnSpc>
                 <a:spcPct val="100000"/>
               </a:lnSpc>
@@ -12974,7 +13127,11 @@
             </a:pPr>
             <a:r>
               <a:rPr b="0" lang="en-US" sz="3200" spc="-1" strike="noStrike">
-                <a:latin typeface="Arial"/>
+                <a:solidFill>
+                  <a:srgbClr val="000000"/>
+                </a:solidFill>
+                <a:latin typeface="Arial"/>
+                <a:ea typeface="DejaVu Sans"/>
               </a:rPr>
               <a:t>How is that possible?</a:t>
             </a:r>
@@ -12983,7 +13140,7 @@
             </a:endParaRPr>
           </a:p>
           <a:p>
-            <a:pPr marL="432000" indent="-323640">
+            <a:pPr marL="432000" indent="-323280">
               <a:lnSpc>
                 <a:spcPct val="100000"/>
               </a:lnSpc>
@@ -12999,7 +13156,11 @@
             </a:pPr>
             <a:r>
               <a:rPr b="0" lang="en-US" sz="3200" spc="-1" strike="noStrike">
-                <a:latin typeface="Arial"/>
+                <a:solidFill>
+                  <a:srgbClr val="000000"/>
+                </a:solidFill>
+                <a:latin typeface="Arial"/>
+                <a:ea typeface="DejaVu Sans"/>
               </a:rPr>
               <a:t>The answer is that, in the model, Flaxman et al. added a country-specific effect to allow the last intervention in each country to have a somewhat different effect than the same intervention in other countries due to idiosyncratic factors</a:t>
             </a:r>
@@ -13008,7 +13169,7 @@
             </a:endParaRPr>
           </a:p>
           <a:p>
-            <a:pPr marL="432000" indent="-323640">
+            <a:pPr marL="432000" indent="-323280">
               <a:lnSpc>
                 <a:spcPct val="100000"/>
               </a:lnSpc>
@@ -13024,7 +13185,11 @@
             </a:pPr>
             <a:r>
               <a:rPr b="0" lang="en-US" sz="3200" spc="-1" strike="noStrike">
-                <a:latin typeface="Arial"/>
+                <a:solidFill>
+                  <a:srgbClr val="000000"/>
+                </a:solidFill>
+                <a:latin typeface="Arial"/>
+                <a:ea typeface="DejaVu Sans"/>
               </a:rPr>
               <a:t>The last intervention was a full lockdown everywhere except in Sweden where it was a ban on public events</a:t>
             </a:r>
@@ -13073,7 +13238,7 @@
         <p:spPr>
           <a:xfrm>
             <a:off x="504000" y="155880"/>
-            <a:ext cx="7176600" cy="1086480"/>
+            <a:ext cx="7176240" cy="1086480"/>
           </a:xfrm>
           <a:prstGeom prst="rect">
             <a:avLst/>
@@ -13128,7 +13293,7 @@
         <p:spPr>
           <a:xfrm>
             <a:off x="1152720" y="1427040"/>
-            <a:ext cx="8046360" cy="4023360"/>
+            <a:ext cx="8046000" cy="4023000"/>
           </a:xfrm>
           <a:prstGeom prst="rect">
             <a:avLst/>
@@ -13177,7 +13342,7 @@
         <p:spPr>
           <a:xfrm>
             <a:off x="504000" y="155880"/>
-            <a:ext cx="7176600" cy="1086480"/>
+            <a:ext cx="7176240" cy="1086480"/>
           </a:xfrm>
           <a:prstGeom prst="rect">
             <a:avLst/>
@@ -13228,7 +13393,7 @@
         <p:spPr>
           <a:xfrm>
             <a:off x="504000" y="1326600"/>
-            <a:ext cx="9071640" cy="3288240"/>
+            <a:ext cx="9071280" cy="3287880"/>
           </a:xfrm>
           <a:prstGeom prst="rect">
             <a:avLst/>
@@ -13249,7 +13414,7 @@
             <a:normAutofit fontScale="24000"/>
           </a:bodyPr>
           <a:p>
-            <a:pPr marL="432000" indent="-323640">
+            <a:pPr marL="432000" indent="-323280">
               <a:lnSpc>
                 <a:spcPct val="100000"/>
               </a:lnSpc>
@@ -13265,7 +13430,11 @@
             </a:pPr>
             <a:r>
               <a:rPr b="0" lang="en-US" sz="3200" spc="-1" strike="noStrike">
-                <a:latin typeface="Arial"/>
+                <a:solidFill>
+                  <a:srgbClr val="000000"/>
+                </a:solidFill>
+                <a:latin typeface="Arial"/>
+                <a:ea typeface="DejaVu Sans"/>
               </a:rPr>
               <a:t>The country-specific effect of the last intervention is approximately zero everywhere except in Sweden where it’s huge</a:t>
             </a:r>
@@ -13274,7 +13443,7 @@
             </a:endParaRPr>
           </a:p>
           <a:p>
-            <a:pPr marL="432000" indent="-323640">
+            <a:pPr marL="432000" indent="-323280">
               <a:lnSpc>
                 <a:spcPct val="100000"/>
               </a:lnSpc>
@@ -13290,7 +13459,11 @@
             </a:pPr>
             <a:r>
               <a:rPr b="0" lang="en-US" sz="3200" spc="-1" strike="noStrike">
-                <a:latin typeface="Arial"/>
+                <a:solidFill>
+                  <a:srgbClr val="000000"/>
+                </a:solidFill>
+                <a:latin typeface="Arial"/>
+                <a:ea typeface="DejaVu Sans"/>
               </a:rPr>
               <a:t>What this means is that, according to the model, banning public events reduced transmission by ~1.6% everywhere except in Sweden where it reduced it by ~72.2% (almost 45 times more!)</a:t>
             </a:r>
@@ -13299,7 +13472,7 @@
             </a:endParaRPr>
           </a:p>
           <a:p>
-            <a:pPr marL="432000" indent="-323640">
+            <a:pPr marL="432000" indent="-323280">
               <a:lnSpc>
                 <a:spcPct val="100000"/>
               </a:lnSpc>
@@ -13315,19 +13488,31 @@
             </a:pPr>
             <a:r>
               <a:rPr b="0" lang="en-US" sz="3200" spc="-1" strike="noStrike">
-                <a:latin typeface="Arial"/>
+                <a:solidFill>
+                  <a:srgbClr val="000000"/>
+                </a:solidFill>
+                <a:latin typeface="Arial"/>
+                <a:ea typeface="DejaVu Sans"/>
               </a:rPr>
               <a:t>Of course, this is not true, it’s just that since the epidemic receded pretty quickly in Sweden and there was no lockdown to which this reduction of transmission could be attributed by the model, it had to attribute it to </a:t>
             </a:r>
             <a:r>
               <a:rPr b="0" i="1" lang="en-US" sz="3200" spc="-1" strike="noStrike">
-                <a:latin typeface="Arial"/>
+                <a:solidFill>
+                  <a:srgbClr val="000000"/>
+                </a:solidFill>
+                <a:latin typeface="Arial"/>
+                <a:ea typeface="DejaVu Sans"/>
               </a:rPr>
               <a:t>something</a:t>
             </a:r>
             <a:r>
               <a:rPr b="0" lang="en-US" sz="3200" spc="-1" strike="noStrike">
-                <a:latin typeface="Arial"/>
+                <a:solidFill>
+                  <a:srgbClr val="000000"/>
+                </a:solidFill>
+                <a:latin typeface="Arial"/>
+                <a:ea typeface="DejaVu Sans"/>
               </a:rPr>
               <a:t> and the country-specific effect of the last intervention was the only thing it could attribute it to</a:t>
             </a:r>
@@ -13336,7 +13521,7 @@
             </a:endParaRPr>
           </a:p>
           <a:p>
-            <a:pPr marL="432000" indent="-323640">
+            <a:pPr marL="432000" indent="-323280">
               <a:lnSpc>
                 <a:spcPct val="100000"/>
               </a:lnSpc>
@@ -13352,7 +13537,11 @@
             </a:pPr>
             <a:r>
               <a:rPr b="0" lang="en-US" sz="3200" spc="-1" strike="noStrike">
-                <a:latin typeface="Arial"/>
+                <a:solidFill>
+                  <a:srgbClr val="000000"/>
+                </a:solidFill>
+                <a:latin typeface="Arial"/>
+                <a:ea typeface="DejaVu Sans"/>
               </a:rPr>
               <a:t>But Flaxman et al. neglected to report this small detail in the paper!</a:t>
             </a:r>
@@ -13401,7 +13590,7 @@
         <p:spPr>
           <a:xfrm>
             <a:off x="504000" y="155880"/>
-            <a:ext cx="7176600" cy="1086480"/>
+            <a:ext cx="7176240" cy="1086480"/>
           </a:xfrm>
           <a:prstGeom prst="rect">
             <a:avLst/>
@@ -13452,7 +13641,7 @@
         <p:spPr>
           <a:xfrm>
             <a:off x="504000" y="1326600"/>
-            <a:ext cx="9071640" cy="3288240"/>
+            <a:ext cx="9071280" cy="3287880"/>
           </a:xfrm>
           <a:prstGeom prst="rect">
             <a:avLst/>
@@ -13473,7 +13662,7 @@
             <a:normAutofit fontScale="7000"/>
           </a:bodyPr>
           <a:p>
-            <a:pPr marL="432000" indent="-323640">
+            <a:pPr marL="432000" indent="-323280">
               <a:lnSpc>
                 <a:spcPct val="100000"/>
               </a:lnSpc>
@@ -13489,7 +13678,11 @@
             </a:pPr>
             <a:r>
               <a:rPr b="0" lang="en-US" sz="4400" spc="-1" strike="noStrike">
-                <a:latin typeface="Arial"/>
+                <a:solidFill>
+                  <a:srgbClr val="000000"/>
+                </a:solidFill>
+                <a:latin typeface="Arial"/>
+                <a:ea typeface="DejaVu Sans"/>
               </a:rPr>
               <a:t>To summarize, the problem with the epidemiological approach is that, in order to be reliable, we have to be confident that we understand the underlying causal process well and, as we have seen when we talked about the SIR model and its variants, we are not</a:t>
             </a:r>
@@ -13498,7 +13691,7 @@
             </a:endParaRPr>
           </a:p>
           <a:p>
-            <a:pPr marL="432000" indent="-323640">
+            <a:pPr marL="432000" indent="-323280">
               <a:lnSpc>
                 <a:spcPct val="100000"/>
               </a:lnSpc>
@@ -13514,7 +13707,11 @@
             </a:pPr>
             <a:r>
               <a:rPr b="0" lang="en-US" sz="4400" spc="-1" strike="noStrike">
-                <a:latin typeface="Arial"/>
+                <a:solidFill>
+                  <a:srgbClr val="000000"/>
+                </a:solidFill>
+                <a:latin typeface="Arial"/>
+                <a:ea typeface="DejaVu Sans"/>
               </a:rPr>
               <a:t>This is a general problem with the way in which statistics is used to make causal inference in science: even sophisticated statistical methods rest on very strong assumptions that we often don’t have very good reasons to make</a:t>
             </a:r>
@@ -13523,7 +13720,7 @@
             </a:endParaRPr>
           </a:p>
           <a:p>
-            <a:pPr marL="432000" indent="-323640">
+            <a:pPr marL="432000" indent="-323280">
               <a:lnSpc>
                 <a:spcPct val="100000"/>
               </a:lnSpc>
@@ -13539,7 +13736,11 @@
             </a:pPr>
             <a:r>
               <a:rPr b="0" lang="en-US" sz="4400" spc="-1" strike="noStrike">
-                <a:latin typeface="Arial"/>
+                <a:solidFill>
+                  <a:srgbClr val="000000"/>
+                </a:solidFill>
+                <a:latin typeface="Arial"/>
+                <a:ea typeface="DejaVu Sans"/>
               </a:rPr>
               <a:t>It’s very important to understand that, when scientists say they have estimate the effect of something “from the data”, what they really mean is: from the data + a model that includes many (often dubious) assumptions</a:t>
             </a:r>
@@ -13548,7 +13749,7 @@
             </a:endParaRPr>
           </a:p>
           <a:p>
-            <a:pPr marL="432000" indent="-323640">
+            <a:pPr marL="432000" indent="-323280">
               <a:lnSpc>
                 <a:spcPct val="100000"/>
               </a:lnSpc>
@@ -13564,7 +13765,11 @@
             </a:pPr>
             <a:r>
               <a:rPr b="0" lang="en-US" sz="4400" spc="-1" strike="noStrike">
-                <a:latin typeface="Arial"/>
+                <a:solidFill>
+                  <a:srgbClr val="000000"/>
+                </a:solidFill>
+                <a:latin typeface="Arial"/>
+                <a:ea typeface="DejaVu Sans"/>
               </a:rPr>
               <a:t>Even though it seems more “agnostic”, this is also true of the econometric approach, to which we now turn</a:t>
             </a:r>
@@ -13613,7 +13818,7 @@
         <p:spPr>
           <a:xfrm>
             <a:off x="504000" y="155880"/>
-            <a:ext cx="7175880" cy="1086480"/>
+            <a:ext cx="7175520" cy="1086480"/>
           </a:xfrm>
           <a:prstGeom prst="rect">
             <a:avLst/>
@@ -13664,7 +13869,7 @@
         <p:spPr>
           <a:xfrm>
             <a:off x="504000" y="1326600"/>
-            <a:ext cx="9070920" cy="3287520"/>
+            <a:ext cx="9070560" cy="3287160"/>
           </a:xfrm>
           <a:prstGeom prst="rect">
             <a:avLst/>
@@ -13685,7 +13890,7 @@
             <a:normAutofit fontScale="33000"/>
           </a:bodyPr>
           <a:p>
-            <a:pPr marL="432000" indent="-322920">
+            <a:pPr marL="432000" indent="-322560">
               <a:lnSpc>
                 <a:spcPct val="100000"/>
               </a:lnSpc>
@@ -13714,7 +13919,7 @@
             </a:endParaRPr>
           </a:p>
           <a:p>
-            <a:pPr marL="432000" indent="-322920">
+            <a:pPr marL="432000" indent="-322560">
               <a:lnSpc>
                 <a:spcPct val="100000"/>
               </a:lnSpc>
@@ -13743,7 +13948,7 @@
             </a:endParaRPr>
           </a:p>
           <a:p>
-            <a:pPr marL="432000" indent="-322920">
+            <a:pPr marL="432000" indent="-322560">
               <a:lnSpc>
                 <a:spcPct val="100000"/>
               </a:lnSpc>
@@ -13812,7 +14017,7 @@
         <p:spPr>
           <a:xfrm>
             <a:off x="504000" y="155880"/>
-            <a:ext cx="7175880" cy="1086480"/>
+            <a:ext cx="7175520" cy="1086480"/>
           </a:xfrm>
           <a:prstGeom prst="rect">
             <a:avLst/>
@@ -13863,7 +14068,7 @@
         <p:spPr>
           <a:xfrm>
             <a:off x="504000" y="1326600"/>
-            <a:ext cx="9070920" cy="3287520"/>
+            <a:ext cx="9070560" cy="3287160"/>
           </a:xfrm>
           <a:prstGeom prst="rect">
             <a:avLst/>
@@ -13884,7 +14089,7 @@
             <a:normAutofit fontScale="61000"/>
           </a:bodyPr>
           <a:p>
-            <a:pPr marL="432000" indent="-322920">
+            <a:pPr marL="432000" indent="-322560">
               <a:lnSpc>
                 <a:spcPct val="100000"/>
               </a:lnSpc>
@@ -13913,7 +14118,7 @@
             </a:endParaRPr>
           </a:p>
           <a:p>
-            <a:pPr marL="432000" indent="-322920">
+            <a:pPr marL="432000" indent="-322560">
               <a:lnSpc>
                 <a:spcPct val="100000"/>
               </a:lnSpc>
@@ -13962,7 +14167,7 @@
             </a:endParaRPr>
           </a:p>
           <a:p>
-            <a:pPr marL="432000" indent="-322920">
+            <a:pPr marL="432000" indent="-322560">
               <a:lnSpc>
                 <a:spcPct val="100000"/>
               </a:lnSpc>
@@ -14031,7 +14236,7 @@
         <p:spPr>
           <a:xfrm>
             <a:off x="504000" y="140760"/>
-            <a:ext cx="7017480" cy="1086480"/>
+            <a:ext cx="7017120" cy="1086480"/>
           </a:xfrm>
           <a:prstGeom prst="rect">
             <a:avLst/>
@@ -14082,7 +14287,7 @@
         <p:spPr>
           <a:xfrm>
             <a:off x="504000" y="1368000"/>
-            <a:ext cx="9069480" cy="3285720"/>
+            <a:ext cx="9069120" cy="3285360"/>
           </a:xfrm>
           <a:prstGeom prst="rect">
             <a:avLst/>
@@ -14103,7 +14308,7 @@
             <a:normAutofit/>
           </a:bodyPr>
           <a:p>
-            <a:pPr marL="432000" indent="-321480">
+            <a:pPr marL="432000" indent="-321120">
               <a:lnSpc>
                 <a:spcPct val="100000"/>
               </a:lnSpc>
@@ -14132,7 +14337,7 @@
             </a:endParaRPr>
           </a:p>
           <a:p>
-            <a:pPr marL="432000" indent="-321480">
+            <a:pPr marL="432000" indent="-321120">
               <a:lnSpc>
                 <a:spcPct val="100000"/>
               </a:lnSpc>
@@ -14171,7 +14376,7 @@
             </a:endParaRPr>
           </a:p>
           <a:p>
-            <a:pPr marL="432000" indent="-321480">
+            <a:pPr marL="432000" indent="-321120">
               <a:lnSpc>
                 <a:spcPct val="100000"/>
               </a:lnSpc>
@@ -14240,7 +14445,7 @@
         <p:spPr>
           <a:xfrm>
             <a:off x="504000" y="155880"/>
-            <a:ext cx="7175880" cy="1086480"/>
+            <a:ext cx="7175520" cy="1086480"/>
           </a:xfrm>
           <a:prstGeom prst="rect">
             <a:avLst/>
@@ -14295,7 +14500,7 @@
         <p:spPr>
           <a:xfrm>
             <a:off x="2027160" y="1434240"/>
-            <a:ext cx="5991120" cy="4042440"/>
+            <a:ext cx="5990760" cy="4042080"/>
           </a:xfrm>
           <a:prstGeom prst="rect">
             <a:avLst/>
@@ -14344,7 +14549,7 @@
         <p:spPr>
           <a:xfrm>
             <a:off x="504000" y="155880"/>
-            <a:ext cx="7175880" cy="1086480"/>
+            <a:ext cx="7175520" cy="1086480"/>
           </a:xfrm>
           <a:prstGeom prst="rect">
             <a:avLst/>
@@ -14395,7 +14600,7 @@
         <p:spPr>
           <a:xfrm>
             <a:off x="504000" y="1326600"/>
-            <a:ext cx="9070920" cy="3287520"/>
+            <a:ext cx="9070560" cy="3287160"/>
           </a:xfrm>
           <a:prstGeom prst="rect">
             <a:avLst/>
@@ -14416,7 +14621,7 @@
             <a:normAutofit fontScale="47000"/>
           </a:bodyPr>
           <a:p>
-            <a:pPr marL="432000" indent="-322920">
+            <a:pPr marL="432000" indent="-322560">
               <a:lnSpc>
                 <a:spcPct val="100000"/>
               </a:lnSpc>
@@ -14445,7 +14650,7 @@
             </a:endParaRPr>
           </a:p>
           <a:p>
-            <a:pPr marL="432000" indent="-322920">
+            <a:pPr marL="432000" indent="-322560">
               <a:lnSpc>
                 <a:spcPct val="100000"/>
               </a:lnSpc>
@@ -14474,7 +14679,7 @@
             </a:endParaRPr>
           </a:p>
           <a:p>
-            <a:pPr marL="432000" indent="-322920">
+            <a:pPr marL="432000" indent="-322560">
               <a:lnSpc>
                 <a:spcPct val="100000"/>
               </a:lnSpc>
@@ -14543,7 +14748,7 @@
         <p:spPr>
           <a:xfrm>
             <a:off x="504000" y="155880"/>
-            <a:ext cx="7176600" cy="1086480"/>
+            <a:ext cx="7176240" cy="1086480"/>
           </a:xfrm>
           <a:prstGeom prst="rect">
             <a:avLst/>
@@ -14594,7 +14799,7 @@
         <p:spPr>
           <a:xfrm>
             <a:off x="504000" y="1326600"/>
-            <a:ext cx="9071640" cy="3288240"/>
+            <a:ext cx="9071280" cy="3287880"/>
           </a:xfrm>
           <a:prstGeom prst="rect">
             <a:avLst/>
@@ -14615,7 +14820,7 @@
             <a:normAutofit fontScale="18000"/>
           </a:bodyPr>
           <a:p>
-            <a:pPr marL="432000" indent="-323640">
+            <a:pPr marL="432000" indent="-323280">
               <a:lnSpc>
                 <a:spcPct val="100000"/>
               </a:lnSpc>
@@ -14631,7 +14836,11 @@
             </a:pPr>
             <a:r>
               <a:rPr b="0" lang="en-US" sz="3200" spc="-1" strike="noStrike">
-                <a:latin typeface="Arial"/>
+                <a:solidFill>
+                  <a:srgbClr val="000000"/>
+                </a:solidFill>
+                <a:latin typeface="Arial"/>
+                <a:ea typeface="DejaVu Sans"/>
               </a:rPr>
               <a:t>The effects of NPIs, or lack thereof, could be confounded by a variety of factors</a:t>
             </a:r>
@@ -14640,7 +14849,7 @@
             </a:endParaRPr>
           </a:p>
           <a:p>
-            <a:pPr marL="432000" indent="-323640">
+            <a:pPr marL="432000" indent="-323280">
               <a:lnSpc>
                 <a:spcPct val="100000"/>
               </a:lnSpc>
@@ -14656,7 +14865,11 @@
             </a:pPr>
             <a:r>
               <a:rPr b="0" lang="en-US" sz="3200" spc="-1" strike="noStrike">
-                <a:latin typeface="Arial"/>
+                <a:solidFill>
+                  <a:srgbClr val="000000"/>
+                </a:solidFill>
+                <a:latin typeface="Arial"/>
+                <a:ea typeface="DejaVu Sans"/>
               </a:rPr>
               <a:t>If you know what factors affect transmission beside the NPIs, you can include them in your statistical model to estimate the effects of NPIs other things being equal</a:t>
             </a:r>
@@ -14665,7 +14878,7 @@
             </a:endParaRPr>
           </a:p>
           <a:p>
-            <a:pPr marL="432000" indent="-323640">
+            <a:pPr marL="432000" indent="-323280">
               <a:lnSpc>
                 <a:spcPct val="100000"/>
               </a:lnSpc>
@@ -14681,7 +14894,11 @@
             </a:pPr>
             <a:r>
               <a:rPr b="0" lang="en-US" sz="3200" spc="-1" strike="noStrike">
-                <a:latin typeface="Arial"/>
+                <a:solidFill>
+                  <a:srgbClr val="000000"/>
+                </a:solidFill>
+                <a:latin typeface="Arial"/>
+                <a:ea typeface="DejaVu Sans"/>
               </a:rPr>
               <a:t>But as we have seen, we don’t have a very good grasp of the underlying causal process, so we can’t really be confident that our estimates of the effects of NPIs are accurate</a:t>
             </a:r>
@@ -14690,7 +14907,7 @@
             </a:endParaRPr>
           </a:p>
           <a:p>
-            <a:pPr marL="432000" indent="-323640">
+            <a:pPr marL="432000" indent="-323280">
               <a:lnSpc>
                 <a:spcPct val="100000"/>
               </a:lnSpc>
@@ -14706,7 +14923,11 @@
             </a:pPr>
             <a:r>
               <a:rPr b="0" lang="en-US" sz="3200" spc="-1" strike="noStrike">
-                <a:latin typeface="Arial"/>
+                <a:solidFill>
+                  <a:srgbClr val="000000"/>
+                </a:solidFill>
+                <a:latin typeface="Arial"/>
+                <a:ea typeface="DejaVu Sans"/>
               </a:rPr>
               <a:t>So while the econometric approach seems more agnostic than the epidemiological approach, in reality it rests on similarly strong assumptions, even if they are not always made explicit</a:t>
             </a:r>
@@ -14715,7 +14936,7 @@
             </a:endParaRPr>
           </a:p>
           <a:p>
-            <a:pPr marL="432000" indent="-323640">
+            <a:pPr marL="432000" indent="-323280">
               <a:lnSpc>
                 <a:spcPct val="100000"/>
               </a:lnSpc>
@@ -14731,7 +14952,11 @@
             </a:pPr>
             <a:r>
               <a:rPr b="0" lang="en-US" sz="3200" spc="-1" strike="noStrike">
-                <a:latin typeface="Arial"/>
+                <a:solidFill>
+                  <a:srgbClr val="000000"/>
+                </a:solidFill>
+                <a:latin typeface="Arial"/>
+                <a:ea typeface="DejaVu Sans"/>
               </a:rPr>
               <a:t>For instance, most of the econometric models that people have used to estimate the effects of NPIs during the pandemic implicitly rested on the homogeneous mixing assumption, which as we have seen is dubious</a:t>
             </a:r>
@@ -14780,7 +15005,7 @@
         <p:spPr>
           <a:xfrm>
             <a:off x="504000" y="140760"/>
-            <a:ext cx="7017480" cy="1086480"/>
+            <a:ext cx="7017120" cy="1086480"/>
           </a:xfrm>
           <a:prstGeom prst="rect">
             <a:avLst/>
@@ -14831,7 +15056,7 @@
         <p:spPr>
           <a:xfrm>
             <a:off x="504000" y="1368000"/>
-            <a:ext cx="9069480" cy="3285720"/>
+            <a:ext cx="9069120" cy="3285360"/>
           </a:xfrm>
           <a:prstGeom prst="rect">
             <a:avLst/>
@@ -14852,7 +15077,7 @@
             <a:normAutofit fontScale="85000"/>
           </a:bodyPr>
           <a:p>
-            <a:pPr marL="432000" indent="-321480">
+            <a:pPr marL="432000" indent="-321120">
               <a:lnSpc>
                 <a:spcPct val="100000"/>
               </a:lnSpc>
@@ -14901,7 +15126,7 @@
             </a:endParaRPr>
           </a:p>
           <a:p>
-            <a:pPr marL="432000" indent="-321480">
+            <a:pPr marL="432000" indent="-321120">
               <a:lnSpc>
                 <a:spcPct val="100000"/>
               </a:lnSpc>
@@ -14930,7 +15155,7 @@
             </a:endParaRPr>
           </a:p>
           <a:p>
-            <a:pPr marL="432000" indent="-321480">
+            <a:pPr marL="432000" indent="-321120">
               <a:lnSpc>
                 <a:spcPct val="100000"/>
               </a:lnSpc>
@@ -14999,7 +15224,7 @@
         <p:spPr>
           <a:xfrm>
             <a:off x="504000" y="140760"/>
-            <a:ext cx="7017480" cy="1086480"/>
+            <a:ext cx="7017120" cy="1086480"/>
           </a:xfrm>
           <a:prstGeom prst="rect">
             <a:avLst/>
@@ -15050,7 +15275,7 @@
         <p:spPr>
           <a:xfrm>
             <a:off x="504000" y="1368000"/>
-            <a:ext cx="9069480" cy="3285720"/>
+            <a:ext cx="9069120" cy="3285360"/>
           </a:xfrm>
           <a:prstGeom prst="rect">
             <a:avLst/>
@@ -15094,7 +15319,7 @@
             </a:endParaRPr>
           </a:p>
           <a:p>
-            <a:pPr marL="432000" indent="-321480">
+            <a:pPr marL="432000" indent="-321120">
               <a:lnSpc>
                 <a:spcPct val="100000"/>
               </a:lnSpc>
@@ -15123,7 +15348,7 @@
             </a:endParaRPr>
           </a:p>
           <a:p>
-            <a:pPr marL="432000" indent="-321480">
+            <a:pPr marL="432000" indent="-321120">
               <a:lnSpc>
                 <a:spcPct val="100000"/>
               </a:lnSpc>
@@ -15152,7 +15377,7 @@
             </a:endParaRPr>
           </a:p>
           <a:p>
-            <a:pPr marL="432000" indent="-321480">
+            <a:pPr marL="432000" indent="-321120">
               <a:lnSpc>
                 <a:spcPct val="100000"/>
               </a:lnSpc>
@@ -15221,7 +15446,7 @@
         <p:spPr>
           <a:xfrm>
             <a:off x="504000" y="140760"/>
-            <a:ext cx="7017480" cy="1086480"/>
+            <a:ext cx="7017120" cy="1086480"/>
           </a:xfrm>
           <a:prstGeom prst="rect">
             <a:avLst/>
@@ -15272,7 +15497,7 @@
         <p:spPr>
           <a:xfrm>
             <a:off x="504000" y="1368000"/>
-            <a:ext cx="9069480" cy="3285720"/>
+            <a:ext cx="9069120" cy="3285360"/>
           </a:xfrm>
           <a:prstGeom prst="rect">
             <a:avLst/>
@@ -15293,7 +15518,7 @@
             <a:normAutofit fontScale="94000"/>
           </a:bodyPr>
           <a:p>
-            <a:pPr marL="432000" indent="-321480">
+            <a:pPr marL="432000" indent="-321120">
               <a:lnSpc>
                 <a:spcPct val="100000"/>
               </a:lnSpc>
@@ -15342,7 +15567,7 @@
             </a:endParaRPr>
           </a:p>
           <a:p>
-            <a:pPr marL="432000" indent="-321480">
+            <a:pPr marL="432000" indent="-321120">
               <a:lnSpc>
                 <a:spcPct val="100000"/>
               </a:lnSpc>
@@ -15391,7 +15616,7 @@
             </a:endParaRPr>
           </a:p>
           <a:p>
-            <a:pPr marL="432000" indent="-321480">
+            <a:pPr marL="432000" indent="-321120">
               <a:lnSpc>
                 <a:spcPct val="100000"/>
               </a:lnSpc>
@@ -15452,7 +15677,7 @@
             <p:spPr>
               <a:xfrm>
                 <a:off x="3593520" y="2011680"/>
-                <a:ext cx="3004920" cy="546120"/>
+                <a:ext cx="3004560" cy="545760"/>
               </a:xfrm>
               <a:prstGeom prst="rect">
                 <a:avLst/>
@@ -15572,7 +15797,7 @@
         <p:spPr>
           <a:xfrm>
             <a:off x="504000" y="216000"/>
-            <a:ext cx="7017480" cy="933480"/>
+            <a:ext cx="7017120" cy="933120"/>
           </a:xfrm>
           <a:prstGeom prst="rect">
             <a:avLst/>
@@ -15598,7 +15823,7 @@
         <p:spPr>
           <a:xfrm>
             <a:off x="504000" y="1368000"/>
-            <a:ext cx="9069480" cy="3285720"/>
+            <a:ext cx="9069120" cy="3285360"/>
           </a:xfrm>
           <a:prstGeom prst="rect">
             <a:avLst/>
@@ -15619,7 +15844,7 @@
             <a:normAutofit fontScale="94000"/>
           </a:bodyPr>
           <a:p>
-            <a:pPr marL="432000" indent="-321480">
+            <a:pPr marL="432000" indent="-321120">
               <a:lnSpc>
                 <a:spcPct val="100000"/>
               </a:lnSpc>
@@ -15648,7 +15873,7 @@
             </a:endParaRPr>
           </a:p>
           <a:p>
-            <a:pPr marL="432000" indent="-321480">
+            <a:pPr marL="432000" indent="-321120">
               <a:lnSpc>
                 <a:spcPct val="100000"/>
               </a:lnSpc>
@@ -15677,7 +15902,7 @@
             </a:endParaRPr>
           </a:p>
           <a:p>
-            <a:pPr marL="432000" indent="-321480">
+            <a:pPr marL="432000" indent="-321120">
               <a:lnSpc>
                 <a:spcPct val="100000"/>
               </a:lnSpc>
@@ -15706,7 +15931,7 @@
             </a:endParaRPr>
           </a:p>
           <a:p>
-            <a:pPr marL="432000" indent="-321480">
+            <a:pPr marL="432000" indent="-321120">
               <a:lnSpc>
                 <a:spcPct val="100000"/>
               </a:lnSpc>
@@ -15747,7 +15972,7 @@
             <p:spPr>
               <a:xfrm>
                 <a:off x="1710360" y="1900800"/>
-                <a:ext cx="794880" cy="417960"/>
+                <a:ext cx="794520" cy="417600"/>
               </a:xfrm>
               <a:prstGeom prst="rect">
                 <a:avLst/>
@@ -15798,7 +16023,7 @@
         <p:spPr>
           <a:xfrm>
             <a:off x="504000" y="140760"/>
-            <a:ext cx="7017480" cy="1086480"/>
+            <a:ext cx="7017120" cy="1086480"/>
           </a:xfrm>
           <a:prstGeom prst="rect">
             <a:avLst/>
@@ -15851,7 +16076,7 @@
             <p:spPr>
               <a:xfrm>
                 <a:off x="877680" y="1368000"/>
-                <a:ext cx="3115080" cy="409320"/>
+                <a:ext cx="3114720" cy="408960"/>
               </a:xfrm>
               <a:prstGeom prst="rect">
                 <a:avLst/>
@@ -15962,7 +16187,7 @@
             <p:spPr>
               <a:xfrm>
                 <a:off x="2377440" y="4598280"/>
-                <a:ext cx="6124320" cy="409320"/>
+                <a:ext cx="6123960" cy="408960"/>
               </a:xfrm>
               <a:prstGeom prst="rect">
                 <a:avLst/>
@@ -16136,7 +16361,7 @@
         <p:spPr>
           <a:xfrm>
             <a:off x="504000" y="140760"/>
-            <a:ext cx="7017480" cy="1086480"/>
+            <a:ext cx="7017120" cy="1086480"/>
           </a:xfrm>
           <a:prstGeom prst="rect">
             <a:avLst/>
@@ -16187,7 +16412,7 @@
         <p:spPr>
           <a:xfrm>
             <a:off x="504000" y="1368000"/>
-            <a:ext cx="9069480" cy="3285720"/>
+            <a:ext cx="9069120" cy="3285360"/>
           </a:xfrm>
           <a:prstGeom prst="rect">
             <a:avLst/>
@@ -16208,7 +16433,7 @@
             <a:normAutofit fontScale="56000"/>
           </a:bodyPr>
           <a:p>
-            <a:pPr marL="432000" indent="-322200">
+            <a:pPr marL="432000" indent="-321840">
               <a:lnSpc>
                 <a:spcPct val="100000"/>
               </a:lnSpc>
@@ -16247,7 +16472,7 @@
             </a:endParaRPr>
           </a:p>
           <a:p>
-            <a:pPr marL="432000" indent="-322200">
+            <a:pPr marL="432000" indent="-321840">
               <a:lnSpc>
                 <a:spcPct val="100000"/>
               </a:lnSpc>
@@ -16306,7 +16531,7 @@
             </a:endParaRPr>
           </a:p>
           <a:p>
-            <a:pPr marL="432000" indent="-322200">
+            <a:pPr marL="432000" indent="-321840">
               <a:lnSpc>
                 <a:spcPct val="100000"/>
               </a:lnSpc>
@@ -16345,7 +16570,7 @@
             </a:endParaRPr>
           </a:p>
           <a:p>
-            <a:pPr marL="432000" indent="-322200">
+            <a:pPr marL="432000" indent="-321840">
               <a:lnSpc>
                 <a:spcPct val="100000"/>
               </a:lnSpc>
@@ -16386,7 +16611,7 @@
             <p:spPr>
               <a:xfrm>
                 <a:off x="841320" y="1325880"/>
-                <a:ext cx="1351440" cy="409680"/>
+                <a:ext cx="1351080" cy="409320"/>
               </a:xfrm>
               <a:prstGeom prst="rect">
                 <a:avLst/>
@@ -16482,7 +16707,7 @@
         <p:spPr>
           <a:xfrm>
             <a:off x="504000" y="155880"/>
-            <a:ext cx="7176600" cy="1086480"/>
+            <a:ext cx="7176240" cy="1086480"/>
           </a:xfrm>
           <a:prstGeom prst="rect">
             <a:avLst/>
@@ -16537,7 +16762,7 @@
         <p:spPr>
           <a:xfrm>
             <a:off x="504000" y="2311920"/>
-            <a:ext cx="9071640" cy="2973240"/>
+            <a:ext cx="9071280" cy="2972880"/>
           </a:xfrm>
           <a:prstGeom prst="rect">
             <a:avLst/>
@@ -16556,7 +16781,7 @@
         <p:spPr>
           <a:xfrm>
             <a:off x="3108960" y="1554480"/>
-            <a:ext cx="3405240" cy="516240"/>
+            <a:ext cx="3404880" cy="516240"/>
           </a:xfrm>
           <a:prstGeom prst="rect">
             <a:avLst/>
@@ -16584,7 +16809,11 @@
             </a:pPr>
             <a:r>
               <a:rPr b="0" lang="en-US" sz="2800" spc="-1" strike="noStrike">
-                <a:latin typeface="Arial"/>
+                <a:solidFill>
+                  <a:srgbClr val="000000"/>
+                </a:solidFill>
+                <a:latin typeface="Arial"/>
+                <a:ea typeface="DejaVu Sans"/>
               </a:rPr>
               <a:t>Example of model fit</a:t>
             </a:r>
